--- a/Instructions/Charts.pptx
+++ b/Instructions/Charts.pptx
@@ -10,6 +10,7 @@
     <p:sldId id="258" r:id="rId4"/>
     <p:sldId id="259" r:id="rId5"/>
     <p:sldId id="260" r:id="rId6"/>
+    <p:sldId id="261" r:id="rId7"/>
   </p:sldIdLst>
   <p:sldSz cx="12192000" cy="6858000"/>
   <p:notesSz cx="6858000" cy="9144000"/>
@@ -108,13 +109,18 @@
       </a:defRPr>
     </a:lvl9pPr>
   </p:defaultTextStyle>
+  <p:extLst>
+    <p:ext uri="{EFAFB233-063F-42B5-8137-9DF3F51BA10A}">
+      <p15:sldGuideLst xmlns:p15="http://schemas.microsoft.com/office/powerpoint/2012/main"/>
+    </p:ext>
+  </p:extLst>
 </p:presentation>
 </file>
 
 <file path=ppt/revisionInfo.xml><?xml version="1.0" encoding="utf-8"?>
 <p1510:revInfo xmlns:a="http://schemas.openxmlformats.org/drawingml/2006/main" xmlns:r="http://schemas.openxmlformats.org/officeDocument/2006/relationships" xmlns:p1510="http://schemas.microsoft.com/office/powerpoint/2015/10/main">
   <p1510:revLst>
-    <p1510:client id="{54B14F0B-452E-4466-84AB-488AAFD048DF}" v="3" dt="2021-10-29T21:37:24.019"/>
+    <p1510:client id="{54B14F0B-452E-4466-84AB-488AAFD048DF}" v="19" dt="2021-10-30T17:06:45.646"/>
   </p1510:revLst>
 </p1510:revInfo>
 </file>
@@ -123,8 +129,8 @@
 <pc:chgInfo xmlns:a="http://schemas.openxmlformats.org/drawingml/2006/main" xmlns:r="http://schemas.openxmlformats.org/officeDocument/2006/relationships" xmlns:ac="http://schemas.microsoft.com/office/drawing/2013/main/command" xmlns:pc="http://schemas.microsoft.com/office/powerpoint/2013/main/command">
   <pc:docChgLst>
     <pc:chgData name="Paul Wissler" userId="15675f06f034866b" providerId="LiveId" clId="{54B14F0B-452E-4466-84AB-488AAFD048DF}"/>
-    <pc:docChg chg="custSel addSld modSld">
-      <pc:chgData name="Paul Wissler" userId="15675f06f034866b" providerId="LiveId" clId="{54B14F0B-452E-4466-84AB-488AAFD048DF}" dt="2021-10-29T21:38:06.120" v="57" actId="1076"/>
+    <pc:docChg chg="undo custSel addSld modSld">
+      <pc:chgData name="Paul Wissler" userId="15675f06f034866b" providerId="LiveId" clId="{54B14F0B-452E-4466-84AB-488AAFD048DF}" dt="2021-10-30T17:14:40.185" v="191" actId="1076"/>
       <pc:docMkLst>
         <pc:docMk/>
       </pc:docMkLst>
@@ -410,6 +416,605 @@
             <ac:spMk id="25" creationId="{6B4E5479-57EC-4098-916A-CEBB36729F46}"/>
           </ac:spMkLst>
         </pc:spChg>
+      </pc:sldChg>
+      <pc:sldChg chg="addSp delSp modSp add mod">
+        <pc:chgData name="Paul Wissler" userId="15675f06f034866b" providerId="LiveId" clId="{54B14F0B-452E-4466-84AB-488AAFD048DF}" dt="2021-10-30T17:14:40.185" v="191" actId="1076"/>
+        <pc:sldMkLst>
+          <pc:docMk/>
+          <pc:sldMk cId="3838175863" sldId="261"/>
+        </pc:sldMkLst>
+        <pc:spChg chg="add mod">
+          <ac:chgData name="Paul Wissler" userId="15675f06f034866b" providerId="LiveId" clId="{54B14F0B-452E-4466-84AB-488AAFD048DF}" dt="2021-10-30T17:03:13.994" v="166" actId="1076"/>
+          <ac:spMkLst>
+            <pc:docMk/>
+            <pc:sldMk cId="3838175863" sldId="261"/>
+            <ac:spMk id="2" creationId="{D00C38C2-D306-4B42-B9EA-5E8D07909702}"/>
+          </ac:spMkLst>
+        </pc:spChg>
+        <pc:spChg chg="add mod">
+          <ac:chgData name="Paul Wissler" userId="15675f06f034866b" providerId="LiveId" clId="{54B14F0B-452E-4466-84AB-488AAFD048DF}" dt="2021-10-30T17:03:13.994" v="166" actId="1076"/>
+          <ac:spMkLst>
+            <pc:docMk/>
+            <pc:sldMk cId="3838175863" sldId="261"/>
+            <ac:spMk id="9" creationId="{FDEF1897-3546-4A95-AB21-675D458A8F1E}"/>
+          </ac:spMkLst>
+        </pc:spChg>
+        <pc:spChg chg="del mod">
+          <ac:chgData name="Paul Wissler" userId="15675f06f034866b" providerId="LiveId" clId="{54B14F0B-452E-4466-84AB-488AAFD048DF}" dt="2021-10-30T00:36:13.565" v="118" actId="478"/>
+          <ac:spMkLst>
+            <pc:docMk/>
+            <pc:sldMk cId="3838175863" sldId="261"/>
+            <ac:spMk id="16" creationId="{9ABE2C51-37A5-4B27-9A3F-ADAC9ADBD389}"/>
+          </ac:spMkLst>
+        </pc:spChg>
+        <pc:spChg chg="del mod">
+          <ac:chgData name="Paul Wissler" userId="15675f06f034866b" providerId="LiveId" clId="{54B14F0B-452E-4466-84AB-488AAFD048DF}" dt="2021-10-30T00:36:16.780" v="120" actId="478"/>
+          <ac:spMkLst>
+            <pc:docMk/>
+            <pc:sldMk cId="3838175863" sldId="261"/>
+            <ac:spMk id="17" creationId="{7CC3506C-C0CF-4078-BCDF-0FCE92E81DDD}"/>
+          </ac:spMkLst>
+        </pc:spChg>
+        <pc:spChg chg="del mod">
+          <ac:chgData name="Paul Wissler" userId="15675f06f034866b" providerId="LiveId" clId="{54B14F0B-452E-4466-84AB-488AAFD048DF}" dt="2021-10-30T17:04:07.667" v="177" actId="478"/>
+          <ac:spMkLst>
+            <pc:docMk/>
+            <pc:sldMk cId="3838175863" sldId="261"/>
+            <ac:spMk id="20" creationId="{4C102415-F5EF-4076-A45B-0BFAC5D7F22C}"/>
+          </ac:spMkLst>
+        </pc:spChg>
+        <pc:spChg chg="del">
+          <ac:chgData name="Paul Wissler" userId="15675f06f034866b" providerId="LiveId" clId="{54B14F0B-452E-4466-84AB-488AAFD048DF}" dt="2021-10-30T00:33:07.251" v="79" actId="478"/>
+          <ac:spMkLst>
+            <pc:docMk/>
+            <pc:sldMk cId="3838175863" sldId="261"/>
+            <ac:spMk id="21" creationId="{EC2AF4A0-FC0F-4FFD-A02A-2631CC164EB8}"/>
+          </ac:spMkLst>
+        </pc:spChg>
+        <pc:spChg chg="del mod">
+          <ac:chgData name="Paul Wissler" userId="15675f06f034866b" providerId="LiveId" clId="{54B14F0B-452E-4466-84AB-488AAFD048DF}" dt="2021-10-30T17:04:07.667" v="177" actId="478"/>
+          <ac:spMkLst>
+            <pc:docMk/>
+            <pc:sldMk cId="3838175863" sldId="261"/>
+            <ac:spMk id="22" creationId="{25F9DAFC-A7C4-49A3-809A-98C214831292}"/>
+          </ac:spMkLst>
+        </pc:spChg>
+        <pc:spChg chg="del">
+          <ac:chgData name="Paul Wissler" userId="15675f06f034866b" providerId="LiveId" clId="{54B14F0B-452E-4466-84AB-488AAFD048DF}" dt="2021-10-30T00:33:09.369" v="80" actId="478"/>
+          <ac:spMkLst>
+            <pc:docMk/>
+            <pc:sldMk cId="3838175863" sldId="261"/>
+            <ac:spMk id="23" creationId="{816A07E1-6567-4317-8EEC-944D0684160B}"/>
+          </ac:spMkLst>
+        </pc:spChg>
+        <pc:spChg chg="mod">
+          <ac:chgData name="Paul Wissler" userId="15675f06f034866b" providerId="LiveId" clId="{54B14F0B-452E-4466-84AB-488AAFD048DF}" dt="2021-10-30T00:32:11.747" v="67" actId="20577"/>
+          <ac:spMkLst>
+            <pc:docMk/>
+            <pc:sldMk cId="3838175863" sldId="261"/>
+            <ac:spMk id="25" creationId="{6B4E5479-57EC-4098-916A-CEBB36729F46}"/>
+          </ac:spMkLst>
+        </pc:spChg>
+        <pc:spChg chg="add del mod">
+          <ac:chgData name="Paul Wissler" userId="15675f06f034866b" providerId="LiveId" clId="{54B14F0B-452E-4466-84AB-488AAFD048DF}" dt="2021-10-30T00:36:10.366" v="116" actId="478"/>
+          <ac:spMkLst>
+            <pc:docMk/>
+            <pc:sldMk cId="3838175863" sldId="261"/>
+            <ac:spMk id="29" creationId="{C897D5A5-1E73-4BDD-B38F-8C18E728221A}"/>
+          </ac:spMkLst>
+        </pc:spChg>
+        <pc:spChg chg="add del mod">
+          <ac:chgData name="Paul Wissler" userId="15675f06f034866b" providerId="LiveId" clId="{54B14F0B-452E-4466-84AB-488AAFD048DF}" dt="2021-10-30T00:36:07.052" v="114" actId="478"/>
+          <ac:spMkLst>
+            <pc:docMk/>
+            <pc:sldMk cId="3838175863" sldId="261"/>
+            <ac:spMk id="30" creationId="{990466A7-0EBB-4F68-A563-BB3A1CCE3895}"/>
+          </ac:spMkLst>
+        </pc:spChg>
+        <pc:spChg chg="add mod">
+          <ac:chgData name="Paul Wissler" userId="15675f06f034866b" providerId="LiveId" clId="{54B14F0B-452E-4466-84AB-488AAFD048DF}" dt="2021-10-30T17:03:13.994" v="166" actId="1076"/>
+          <ac:spMkLst>
+            <pc:docMk/>
+            <pc:sldMk cId="3838175863" sldId="261"/>
+            <ac:spMk id="31" creationId="{D8844238-0DBB-4E5D-AE9D-11AC894C0554}"/>
+          </ac:spMkLst>
+        </pc:spChg>
+        <pc:spChg chg="add del mod">
+          <ac:chgData name="Paul Wissler" userId="15675f06f034866b" providerId="LiveId" clId="{54B14F0B-452E-4466-84AB-488AAFD048DF}" dt="2021-10-30T00:32:22.851" v="69" actId="478"/>
+          <ac:spMkLst>
+            <pc:docMk/>
+            <pc:sldMk cId="3838175863" sldId="261"/>
+            <ac:spMk id="32" creationId="{B1C06FF6-BE86-4CA7-9BDE-532EB522D9F2}"/>
+          </ac:spMkLst>
+        </pc:spChg>
+        <pc:spChg chg="add del mod">
+          <ac:chgData name="Paul Wissler" userId="15675f06f034866b" providerId="LiveId" clId="{54B14F0B-452E-4466-84AB-488AAFD048DF}" dt="2021-10-30T00:32:20.519" v="68" actId="478"/>
+          <ac:spMkLst>
+            <pc:docMk/>
+            <pc:sldMk cId="3838175863" sldId="261"/>
+            <ac:spMk id="33" creationId="{9DEE26A0-26B7-4F48-9D2D-144EBC8E32F3}"/>
+          </ac:spMkLst>
+        </pc:spChg>
+        <pc:spChg chg="add del mod">
+          <ac:chgData name="Paul Wissler" userId="15675f06f034866b" providerId="LiveId" clId="{54B14F0B-452E-4466-84AB-488AAFD048DF}" dt="2021-10-30T00:32:24.778" v="70" actId="478"/>
+          <ac:spMkLst>
+            <pc:docMk/>
+            <pc:sldMk cId="3838175863" sldId="261"/>
+            <ac:spMk id="34" creationId="{04BCD835-486A-42CC-A724-19C7B9D29870}"/>
+          </ac:spMkLst>
+        </pc:spChg>
+        <pc:spChg chg="add del mod">
+          <ac:chgData name="Paul Wissler" userId="15675f06f034866b" providerId="LiveId" clId="{54B14F0B-452E-4466-84AB-488AAFD048DF}" dt="2021-10-30T00:36:18.201" v="121" actId="478"/>
+          <ac:spMkLst>
+            <pc:docMk/>
+            <pc:sldMk cId="3838175863" sldId="261"/>
+            <ac:spMk id="41" creationId="{5326A8F1-4002-46FC-9362-6FCADA909E75}"/>
+          </ac:spMkLst>
+        </pc:spChg>
+        <pc:spChg chg="add del mod">
+          <ac:chgData name="Paul Wissler" userId="15675f06f034866b" providerId="LiveId" clId="{54B14F0B-452E-4466-84AB-488AAFD048DF}" dt="2021-10-30T00:36:19.755" v="122" actId="478"/>
+          <ac:spMkLst>
+            <pc:docMk/>
+            <pc:sldMk cId="3838175863" sldId="261"/>
+            <ac:spMk id="42" creationId="{CAF1DB11-90A5-4861-A78F-1F9E245C97AE}"/>
+          </ac:spMkLst>
+        </pc:spChg>
+        <pc:spChg chg="add del mod">
+          <ac:chgData name="Paul Wissler" userId="15675f06f034866b" providerId="LiveId" clId="{54B14F0B-452E-4466-84AB-488AAFD048DF}" dt="2021-10-30T00:37:10.849" v="131" actId="478"/>
+          <ac:spMkLst>
+            <pc:docMk/>
+            <pc:sldMk cId="3838175863" sldId="261"/>
+            <ac:spMk id="43" creationId="{EDA96BFD-1E89-4A86-AA6B-D99B4780014C}"/>
+          </ac:spMkLst>
+        </pc:spChg>
+        <pc:spChg chg="add del mod">
+          <ac:chgData name="Paul Wissler" userId="15675f06f034866b" providerId="LiveId" clId="{54B14F0B-452E-4466-84AB-488AAFD048DF}" dt="2021-10-30T00:33:42.453" v="86" actId="478"/>
+          <ac:spMkLst>
+            <pc:docMk/>
+            <pc:sldMk cId="3838175863" sldId="261"/>
+            <ac:spMk id="44" creationId="{ED56056A-F368-4029-B503-5DCB75959273}"/>
+          </ac:spMkLst>
+        </pc:spChg>
+        <pc:spChg chg="add del mod">
+          <ac:chgData name="Paul Wissler" userId="15675f06f034866b" providerId="LiveId" clId="{54B14F0B-452E-4466-84AB-488AAFD048DF}" dt="2021-10-30T00:37:10.849" v="131" actId="478"/>
+          <ac:spMkLst>
+            <pc:docMk/>
+            <pc:sldMk cId="3838175863" sldId="261"/>
+            <ac:spMk id="45" creationId="{7377A2D1-1F01-4BD5-9B60-35E6495C203A}"/>
+          </ac:spMkLst>
+        </pc:spChg>
+        <pc:spChg chg="add del mod">
+          <ac:chgData name="Paul Wissler" userId="15675f06f034866b" providerId="LiveId" clId="{54B14F0B-452E-4466-84AB-488AAFD048DF}" dt="2021-10-30T16:57:04.364" v="164" actId="478"/>
+          <ac:spMkLst>
+            <pc:docMk/>
+            <pc:sldMk cId="3838175863" sldId="261"/>
+            <ac:spMk id="46" creationId="{80483D0C-EABC-402C-B442-9EE1AA48F234}"/>
+          </ac:spMkLst>
+        </pc:spChg>
+        <pc:spChg chg="add del mod">
+          <ac:chgData name="Paul Wissler" userId="15675f06f034866b" providerId="LiveId" clId="{54B14F0B-452E-4466-84AB-488AAFD048DF}" dt="2021-10-30T17:04:07.667" v="177" actId="478"/>
+          <ac:spMkLst>
+            <pc:docMk/>
+            <pc:sldMk cId="3838175863" sldId="261"/>
+            <ac:spMk id="47" creationId="{F5FD7010-6A75-4F0F-9E7C-C07E70182B62}"/>
+          </ac:spMkLst>
+        </pc:spChg>
+        <pc:spChg chg="add del mod">
+          <ac:chgData name="Paul Wissler" userId="15675f06f034866b" providerId="LiveId" clId="{54B14F0B-452E-4466-84AB-488AAFD048DF}" dt="2021-10-30T00:36:11.936" v="117" actId="478"/>
+          <ac:spMkLst>
+            <pc:docMk/>
+            <pc:sldMk cId="3838175863" sldId="261"/>
+            <ac:spMk id="50" creationId="{58BD9D69-99CA-4A58-88E3-76F41ADB96C4}"/>
+          </ac:spMkLst>
+        </pc:spChg>
+        <pc:spChg chg="add del mod">
+          <ac:chgData name="Paul Wissler" userId="15675f06f034866b" providerId="LiveId" clId="{54B14F0B-452E-4466-84AB-488AAFD048DF}" dt="2021-10-30T00:36:15.294" v="119" actId="478"/>
+          <ac:spMkLst>
+            <pc:docMk/>
+            <pc:sldMk cId="3838175863" sldId="261"/>
+            <ac:spMk id="51" creationId="{1A80CBAE-4BDA-4599-805F-DF37D6240739}"/>
+          </ac:spMkLst>
+        </pc:spChg>
+        <pc:spChg chg="add mod">
+          <ac:chgData name="Paul Wissler" userId="15675f06f034866b" providerId="LiveId" clId="{54B14F0B-452E-4466-84AB-488AAFD048DF}" dt="2021-10-30T17:04:21.778" v="179" actId="1076"/>
+          <ac:spMkLst>
+            <pc:docMk/>
+            <pc:sldMk cId="3838175863" sldId="261"/>
+            <ac:spMk id="52" creationId="{FBF136F2-6FA7-4486-B74B-98E44A3F8E9B}"/>
+          </ac:spMkLst>
+        </pc:spChg>
+        <pc:spChg chg="add mod">
+          <ac:chgData name="Paul Wissler" userId="15675f06f034866b" providerId="LiveId" clId="{54B14F0B-452E-4466-84AB-488AAFD048DF}" dt="2021-10-30T17:04:21.778" v="179" actId="1076"/>
+          <ac:spMkLst>
+            <pc:docMk/>
+            <pc:sldMk cId="3838175863" sldId="261"/>
+            <ac:spMk id="53" creationId="{2D310B78-ECAC-4CD2-95BB-D729D1CBF909}"/>
+          </ac:spMkLst>
+        </pc:spChg>
+        <pc:spChg chg="add mod">
+          <ac:chgData name="Paul Wissler" userId="15675f06f034866b" providerId="LiveId" clId="{54B14F0B-452E-4466-84AB-488AAFD048DF}" dt="2021-10-30T17:04:21.778" v="179" actId="1076"/>
+          <ac:spMkLst>
+            <pc:docMk/>
+            <pc:sldMk cId="3838175863" sldId="261"/>
+            <ac:spMk id="54" creationId="{D41DBA54-875C-429F-9874-832DCB5894F7}"/>
+          </ac:spMkLst>
+        </pc:spChg>
+        <pc:spChg chg="add mod">
+          <ac:chgData name="Paul Wissler" userId="15675f06f034866b" providerId="LiveId" clId="{54B14F0B-452E-4466-84AB-488AAFD048DF}" dt="2021-10-30T17:04:21.778" v="179" actId="1076"/>
+          <ac:spMkLst>
+            <pc:docMk/>
+            <pc:sldMk cId="3838175863" sldId="261"/>
+            <ac:spMk id="57" creationId="{032B871C-6CB4-48F9-98F8-BF2F70D838F6}"/>
+          </ac:spMkLst>
+        </pc:spChg>
+        <pc:spChg chg="add mod">
+          <ac:chgData name="Paul Wissler" userId="15675f06f034866b" providerId="LiveId" clId="{54B14F0B-452E-4466-84AB-488AAFD048DF}" dt="2021-10-30T17:04:21.778" v="179" actId="1076"/>
+          <ac:spMkLst>
+            <pc:docMk/>
+            <pc:sldMk cId="3838175863" sldId="261"/>
+            <ac:spMk id="58" creationId="{93686ACE-07CD-43A1-8CDF-344065DABA85}"/>
+          </ac:spMkLst>
+        </pc:spChg>
+        <pc:spChg chg="add del mod">
+          <ac:chgData name="Paul Wissler" userId="15675f06f034866b" providerId="LiveId" clId="{54B14F0B-452E-4466-84AB-488AAFD048DF}" dt="2021-10-30T00:37:07.637" v="130" actId="478"/>
+          <ac:spMkLst>
+            <pc:docMk/>
+            <pc:sldMk cId="3838175863" sldId="261"/>
+            <ac:spMk id="59" creationId="{F150EF80-808B-4438-8447-316895974188}"/>
+          </ac:spMkLst>
+        </pc:spChg>
+        <pc:spChg chg="add mod">
+          <ac:chgData name="Paul Wissler" userId="15675f06f034866b" providerId="LiveId" clId="{54B14F0B-452E-4466-84AB-488AAFD048DF}" dt="2021-10-30T17:04:21.778" v="179" actId="1076"/>
+          <ac:spMkLst>
+            <pc:docMk/>
+            <pc:sldMk cId="3838175863" sldId="261"/>
+            <ac:spMk id="60" creationId="{45697834-8DBA-4B0E-BBC6-47EFBC8627A2}"/>
+          </ac:spMkLst>
+        </pc:spChg>
+        <pc:spChg chg="add del mod">
+          <ac:chgData name="Paul Wissler" userId="15675f06f034866b" providerId="LiveId" clId="{54B14F0B-452E-4466-84AB-488AAFD048DF}" dt="2021-10-30T17:04:07.667" v="177" actId="478"/>
+          <ac:spMkLst>
+            <pc:docMk/>
+            <pc:sldMk cId="3838175863" sldId="261"/>
+            <ac:spMk id="61" creationId="{545FE70F-C8D3-422D-B247-32DE109DAF1F}"/>
+          </ac:spMkLst>
+        </pc:spChg>
+        <pc:spChg chg="add mod">
+          <ac:chgData name="Paul Wissler" userId="15675f06f034866b" providerId="LiveId" clId="{54B14F0B-452E-4466-84AB-488AAFD048DF}" dt="2021-10-30T17:04:21.778" v="179" actId="1076"/>
+          <ac:spMkLst>
+            <pc:docMk/>
+            <pc:sldMk cId="3838175863" sldId="261"/>
+            <ac:spMk id="62" creationId="{C15C8C23-40F6-4C95-BEBB-D31127C74539}"/>
+          </ac:spMkLst>
+        </pc:spChg>
+        <pc:spChg chg="add mod">
+          <ac:chgData name="Paul Wissler" userId="15675f06f034866b" providerId="LiveId" clId="{54B14F0B-452E-4466-84AB-488AAFD048DF}" dt="2021-10-30T17:04:21.778" v="179" actId="1076"/>
+          <ac:spMkLst>
+            <pc:docMk/>
+            <pc:sldMk cId="3838175863" sldId="261"/>
+            <ac:spMk id="63" creationId="{D9B9B6D6-7E48-430C-81C3-5C808A0E4680}"/>
+          </ac:spMkLst>
+        </pc:spChg>
+        <pc:spChg chg="add mod">
+          <ac:chgData name="Paul Wissler" userId="15675f06f034866b" providerId="LiveId" clId="{54B14F0B-452E-4466-84AB-488AAFD048DF}" dt="2021-10-30T17:04:21.778" v="179" actId="1076"/>
+          <ac:spMkLst>
+            <pc:docMk/>
+            <pc:sldMk cId="3838175863" sldId="261"/>
+            <ac:spMk id="64" creationId="{9D277212-8FFE-45F3-8911-E1A990095B70}"/>
+          </ac:spMkLst>
+        </pc:spChg>
+        <pc:spChg chg="add mod">
+          <ac:chgData name="Paul Wissler" userId="15675f06f034866b" providerId="LiveId" clId="{54B14F0B-452E-4466-84AB-488AAFD048DF}" dt="2021-10-30T17:04:21.778" v="179" actId="1076"/>
+          <ac:spMkLst>
+            <pc:docMk/>
+            <pc:sldMk cId="3838175863" sldId="261"/>
+            <ac:spMk id="67" creationId="{3F6345C3-A032-4690-9EED-76BCE8F2E1C8}"/>
+          </ac:spMkLst>
+        </pc:spChg>
+        <pc:spChg chg="add mod">
+          <ac:chgData name="Paul Wissler" userId="15675f06f034866b" providerId="LiveId" clId="{54B14F0B-452E-4466-84AB-488AAFD048DF}" dt="2021-10-30T17:04:21.778" v="179" actId="1076"/>
+          <ac:spMkLst>
+            <pc:docMk/>
+            <pc:sldMk cId="3838175863" sldId="261"/>
+            <ac:spMk id="68" creationId="{430425F8-1916-45EE-9C16-3BADEE28873E}"/>
+          </ac:spMkLst>
+        </pc:spChg>
+        <pc:spChg chg="add mod">
+          <ac:chgData name="Paul Wissler" userId="15675f06f034866b" providerId="LiveId" clId="{54B14F0B-452E-4466-84AB-488AAFD048DF}" dt="2021-10-30T17:04:31.620" v="181" actId="20577"/>
+          <ac:spMkLst>
+            <pc:docMk/>
+            <pc:sldMk cId="3838175863" sldId="261"/>
+            <ac:spMk id="69" creationId="{40725A92-AFBC-4FA2-9DA1-ABF38C4EB09C}"/>
+          </ac:spMkLst>
+        </pc:spChg>
+        <pc:spChg chg="add mod">
+          <ac:chgData name="Paul Wissler" userId="15675f06f034866b" providerId="LiveId" clId="{54B14F0B-452E-4466-84AB-488AAFD048DF}" dt="2021-10-30T17:04:21.778" v="179" actId="1076"/>
+          <ac:spMkLst>
+            <pc:docMk/>
+            <pc:sldMk cId="3838175863" sldId="261"/>
+            <ac:spMk id="70" creationId="{00236557-36AA-4002-8409-147878C1803A}"/>
+          </ac:spMkLst>
+        </pc:spChg>
+        <pc:spChg chg="add mod">
+          <ac:chgData name="Paul Wissler" userId="15675f06f034866b" providerId="LiveId" clId="{54B14F0B-452E-4466-84AB-488AAFD048DF}" dt="2021-10-30T17:04:21.778" v="179" actId="1076"/>
+          <ac:spMkLst>
+            <pc:docMk/>
+            <pc:sldMk cId="3838175863" sldId="261"/>
+            <ac:spMk id="71" creationId="{091DD61C-647C-476C-AE44-958B94AF6FD0}"/>
+          </ac:spMkLst>
+        </pc:spChg>
+        <pc:spChg chg="add mod">
+          <ac:chgData name="Paul Wissler" userId="15675f06f034866b" providerId="LiveId" clId="{54B14F0B-452E-4466-84AB-488AAFD048DF}" dt="2021-10-30T17:04:21.778" v="179" actId="1076"/>
+          <ac:spMkLst>
+            <pc:docMk/>
+            <pc:sldMk cId="3838175863" sldId="261"/>
+            <ac:spMk id="72" creationId="{74448591-E3E1-4C60-9B22-210F702C0577}"/>
+          </ac:spMkLst>
+        </pc:spChg>
+        <pc:spChg chg="add mod">
+          <ac:chgData name="Paul Wissler" userId="15675f06f034866b" providerId="LiveId" clId="{54B14F0B-452E-4466-84AB-488AAFD048DF}" dt="2021-10-30T17:06:38.789" v="183" actId="1076"/>
+          <ac:spMkLst>
+            <pc:docMk/>
+            <pc:sldMk cId="3838175863" sldId="261"/>
+            <ac:spMk id="75" creationId="{94EF71B1-7153-4ADE-A926-4773018250BB}"/>
+          </ac:spMkLst>
+        </pc:spChg>
+        <pc:spChg chg="add mod">
+          <ac:chgData name="Paul Wissler" userId="15675f06f034866b" providerId="LiveId" clId="{54B14F0B-452E-4466-84AB-488AAFD048DF}" dt="2021-10-30T17:06:38.789" v="183" actId="1076"/>
+          <ac:spMkLst>
+            <pc:docMk/>
+            <pc:sldMk cId="3838175863" sldId="261"/>
+            <ac:spMk id="76" creationId="{6A4709E0-DE49-4012-BE51-41BD9FCAFBC7}"/>
+          </ac:spMkLst>
+        </pc:spChg>
+        <pc:spChg chg="add mod">
+          <ac:chgData name="Paul Wissler" userId="15675f06f034866b" providerId="LiveId" clId="{54B14F0B-452E-4466-84AB-488AAFD048DF}" dt="2021-10-30T17:07:00.220" v="189" actId="20577"/>
+          <ac:spMkLst>
+            <pc:docMk/>
+            <pc:sldMk cId="3838175863" sldId="261"/>
+            <ac:spMk id="77" creationId="{1D5AAF81-486A-48DF-8BED-D660D657CE3F}"/>
+          </ac:spMkLst>
+        </pc:spChg>
+        <pc:spChg chg="add mod">
+          <ac:chgData name="Paul Wissler" userId="15675f06f034866b" providerId="LiveId" clId="{54B14F0B-452E-4466-84AB-488AAFD048DF}" dt="2021-10-30T17:06:38.789" v="183" actId="1076"/>
+          <ac:spMkLst>
+            <pc:docMk/>
+            <pc:sldMk cId="3838175863" sldId="261"/>
+            <ac:spMk id="78" creationId="{7F6413B4-716B-4188-8CAB-E767D2123B3E}"/>
+          </ac:spMkLst>
+        </pc:spChg>
+        <pc:spChg chg="add del mod">
+          <ac:chgData name="Paul Wissler" userId="15675f06f034866b" providerId="LiveId" clId="{54B14F0B-452E-4466-84AB-488AAFD048DF}" dt="2021-10-30T17:06:56.330" v="187" actId="478"/>
+          <ac:spMkLst>
+            <pc:docMk/>
+            <pc:sldMk cId="3838175863" sldId="261"/>
+            <ac:spMk id="79" creationId="{CA94BDE4-0016-4B2F-904F-DA5D72EA3D71}"/>
+          </ac:spMkLst>
+        </pc:spChg>
+        <pc:spChg chg="add mod">
+          <ac:chgData name="Paul Wissler" userId="15675f06f034866b" providerId="LiveId" clId="{54B14F0B-452E-4466-84AB-488AAFD048DF}" dt="2021-10-30T17:06:38.789" v="183" actId="1076"/>
+          <ac:spMkLst>
+            <pc:docMk/>
+            <pc:sldMk cId="3838175863" sldId="261"/>
+            <ac:spMk id="80" creationId="{A9B1C00D-E46D-40A5-82A3-5A02338F82BF}"/>
+          </ac:spMkLst>
+        </pc:spChg>
+        <pc:spChg chg="add mod">
+          <ac:chgData name="Paul Wissler" userId="15675f06f034866b" providerId="LiveId" clId="{54B14F0B-452E-4466-84AB-488AAFD048DF}" dt="2021-10-30T17:14:40.185" v="191" actId="1076"/>
+          <ac:spMkLst>
+            <pc:docMk/>
+            <pc:sldMk cId="3838175863" sldId="261"/>
+            <ac:spMk id="81" creationId="{1C078F07-6BFD-40BF-8398-F334DF25763A}"/>
+          </ac:spMkLst>
+        </pc:spChg>
+        <pc:cxnChg chg="del mod">
+          <ac:chgData name="Paul Wissler" userId="15675f06f034866b" providerId="LiveId" clId="{54B14F0B-452E-4466-84AB-488AAFD048DF}" dt="2021-10-30T17:04:07.667" v="177" actId="478"/>
+          <ac:cxnSpMkLst>
+            <pc:docMk/>
+            <pc:sldMk cId="3838175863" sldId="261"/>
+            <ac:cxnSpMk id="5" creationId="{59EF5239-3951-46CE-868A-661358731437}"/>
+          </ac:cxnSpMkLst>
+        </pc:cxnChg>
+        <pc:cxnChg chg="del mod">
+          <ac:chgData name="Paul Wissler" userId="15675f06f034866b" providerId="LiveId" clId="{54B14F0B-452E-4466-84AB-488AAFD048DF}" dt="2021-10-30T17:04:07.667" v="177" actId="478"/>
+          <ac:cxnSpMkLst>
+            <pc:docMk/>
+            <pc:sldMk cId="3838175863" sldId="261"/>
+            <ac:cxnSpMk id="7" creationId="{E8831146-0D97-4B95-833C-9395BD45FB98}"/>
+          </ac:cxnSpMkLst>
+        </pc:cxnChg>
+        <pc:cxnChg chg="del">
+          <ac:chgData name="Paul Wissler" userId="15675f06f034866b" providerId="LiveId" clId="{54B14F0B-452E-4466-84AB-488AAFD048DF}" dt="2021-10-30T00:35:06.736" v="103" actId="478"/>
+          <ac:cxnSpMkLst>
+            <pc:docMk/>
+            <pc:sldMk cId="3838175863" sldId="261"/>
+            <ac:cxnSpMk id="11" creationId="{164ACA03-FD1E-48AA-A67A-E42A8CBE9292}"/>
+          </ac:cxnSpMkLst>
+        </pc:cxnChg>
+        <pc:cxnChg chg="del">
+          <ac:chgData name="Paul Wissler" userId="15675f06f034866b" providerId="LiveId" clId="{54B14F0B-452E-4466-84AB-488AAFD048DF}" dt="2021-10-30T00:35:00.475" v="100" actId="478"/>
+          <ac:cxnSpMkLst>
+            <pc:docMk/>
+            <pc:sldMk cId="3838175863" sldId="261"/>
+            <ac:cxnSpMk id="12" creationId="{55B9B4A5-92E2-4064-9E25-CB62B9401F5E}"/>
+          </ac:cxnSpMkLst>
+        </pc:cxnChg>
+        <pc:cxnChg chg="del">
+          <ac:chgData name="Paul Wissler" userId="15675f06f034866b" providerId="LiveId" clId="{54B14F0B-452E-4466-84AB-488AAFD048DF}" dt="2021-10-30T00:35:07.909" v="104" actId="478"/>
+          <ac:cxnSpMkLst>
+            <pc:docMk/>
+            <pc:sldMk cId="3838175863" sldId="261"/>
+            <ac:cxnSpMk id="13" creationId="{252F8191-1797-46CD-9460-C595A927173B}"/>
+          </ac:cxnSpMkLst>
+        </pc:cxnChg>
+        <pc:cxnChg chg="del">
+          <ac:chgData name="Paul Wissler" userId="15675f06f034866b" providerId="LiveId" clId="{54B14F0B-452E-4466-84AB-488AAFD048DF}" dt="2021-10-30T00:34:58.649" v="99" actId="478"/>
+          <ac:cxnSpMkLst>
+            <pc:docMk/>
+            <pc:sldMk cId="3838175863" sldId="261"/>
+            <ac:cxnSpMk id="15" creationId="{D699B0AC-F17E-48B8-A823-1FF727770FAC}"/>
+          </ac:cxnSpMkLst>
+        </pc:cxnChg>
+        <pc:cxnChg chg="add mod">
+          <ac:chgData name="Paul Wissler" userId="15675f06f034866b" providerId="LiveId" clId="{54B14F0B-452E-4466-84AB-488AAFD048DF}" dt="2021-10-30T17:03:13.994" v="166" actId="1076"/>
+          <ac:cxnSpMkLst>
+            <pc:docMk/>
+            <pc:sldMk cId="3838175863" sldId="261"/>
+            <ac:cxnSpMk id="18" creationId="{7845796F-FAFE-4018-83FA-017C8E5A21E1}"/>
+          </ac:cxnSpMkLst>
+        </pc:cxnChg>
+        <pc:cxnChg chg="add mod">
+          <ac:chgData name="Paul Wissler" userId="15675f06f034866b" providerId="LiveId" clId="{54B14F0B-452E-4466-84AB-488AAFD048DF}" dt="2021-10-30T17:03:13.994" v="166" actId="1076"/>
+          <ac:cxnSpMkLst>
+            <pc:docMk/>
+            <pc:sldMk cId="3838175863" sldId="261"/>
+            <ac:cxnSpMk id="19" creationId="{903237DE-0164-4D37-8967-45177C55E8C5}"/>
+          </ac:cxnSpMkLst>
+        </pc:cxnChg>
+        <pc:cxnChg chg="add del mod">
+          <ac:chgData name="Paul Wissler" userId="15675f06f034866b" providerId="LiveId" clId="{54B14F0B-452E-4466-84AB-488AAFD048DF}" dt="2021-10-30T00:35:03.349" v="101" actId="478"/>
+          <ac:cxnSpMkLst>
+            <pc:docMk/>
+            <pc:sldMk cId="3838175863" sldId="261"/>
+            <ac:cxnSpMk id="24" creationId="{09896F7A-77D0-4E9E-A3E8-332F5E4F1B69}"/>
+          </ac:cxnSpMkLst>
+        </pc:cxnChg>
+        <pc:cxnChg chg="add del mod">
+          <ac:chgData name="Paul Wissler" userId="15675f06f034866b" providerId="LiveId" clId="{54B14F0B-452E-4466-84AB-488AAFD048DF}" dt="2021-10-30T00:34:46.619" v="96" actId="478"/>
+          <ac:cxnSpMkLst>
+            <pc:docMk/>
+            <pc:sldMk cId="3838175863" sldId="261"/>
+            <ac:cxnSpMk id="26" creationId="{78A67936-D8B1-4E79-8BBC-1FE21BF4C037}"/>
+          </ac:cxnSpMkLst>
+        </pc:cxnChg>
+        <pc:cxnChg chg="add del mod">
+          <ac:chgData name="Paul Wissler" userId="15675f06f034866b" providerId="LiveId" clId="{54B14F0B-452E-4466-84AB-488AAFD048DF}" dt="2021-10-30T00:35:04.799" v="102" actId="478"/>
+          <ac:cxnSpMkLst>
+            <pc:docMk/>
+            <pc:sldMk cId="3838175863" sldId="261"/>
+            <ac:cxnSpMk id="27" creationId="{BFF7EA19-1691-4CDB-975D-232A3C8A77C9}"/>
+          </ac:cxnSpMkLst>
+        </pc:cxnChg>
+        <pc:cxnChg chg="add del mod">
+          <ac:chgData name="Paul Wissler" userId="15675f06f034866b" providerId="LiveId" clId="{54B14F0B-452E-4466-84AB-488AAFD048DF}" dt="2021-10-30T00:34:44.837" v="95" actId="478"/>
+          <ac:cxnSpMkLst>
+            <pc:docMk/>
+            <pc:sldMk cId="3838175863" sldId="261"/>
+            <ac:cxnSpMk id="28" creationId="{66E96F3D-85F5-4D16-9C54-D505565F4124}"/>
+          </ac:cxnSpMkLst>
+        </pc:cxnChg>
+        <pc:cxnChg chg="add del mod">
+          <ac:chgData name="Paul Wissler" userId="15675f06f034866b" providerId="LiveId" clId="{54B14F0B-452E-4466-84AB-488AAFD048DF}" dt="2021-10-30T00:36:33.460" v="123" actId="478"/>
+          <ac:cxnSpMkLst>
+            <pc:docMk/>
+            <pc:sldMk cId="3838175863" sldId="261"/>
+            <ac:cxnSpMk id="35" creationId="{3D097BBF-6D8C-4389-8EA8-C3581B1B4B0C}"/>
+          </ac:cxnSpMkLst>
+        </pc:cxnChg>
+        <pc:cxnChg chg="add del mod">
+          <ac:chgData name="Paul Wissler" userId="15675f06f034866b" providerId="LiveId" clId="{54B14F0B-452E-4466-84AB-488AAFD048DF}" dt="2021-10-30T00:36:34.313" v="124" actId="478"/>
+          <ac:cxnSpMkLst>
+            <pc:docMk/>
+            <pc:sldMk cId="3838175863" sldId="261"/>
+            <ac:cxnSpMk id="36" creationId="{F7B20E99-89BD-49A4-B7B6-EB54560050D4}"/>
+          </ac:cxnSpMkLst>
+        </pc:cxnChg>
+        <pc:cxnChg chg="add del mod">
+          <ac:chgData name="Paul Wissler" userId="15675f06f034866b" providerId="LiveId" clId="{54B14F0B-452E-4466-84AB-488AAFD048DF}" dt="2021-10-30T00:35:10.551" v="106" actId="478"/>
+          <ac:cxnSpMkLst>
+            <pc:docMk/>
+            <pc:sldMk cId="3838175863" sldId="261"/>
+            <ac:cxnSpMk id="37" creationId="{2FCF2488-BC2F-49E7-B547-54DC5AE20AB5}"/>
+          </ac:cxnSpMkLst>
+        </pc:cxnChg>
+        <pc:cxnChg chg="add del mod">
+          <ac:chgData name="Paul Wissler" userId="15675f06f034866b" providerId="LiveId" clId="{54B14F0B-452E-4466-84AB-488AAFD048DF}" dt="2021-10-30T00:35:11.801" v="107" actId="478"/>
+          <ac:cxnSpMkLst>
+            <pc:docMk/>
+            <pc:sldMk cId="3838175863" sldId="261"/>
+            <ac:cxnSpMk id="38" creationId="{D2CB7262-B7FC-4F54-A84E-A887D398244E}"/>
+          </ac:cxnSpMkLst>
+        </pc:cxnChg>
+        <pc:cxnChg chg="add del mod">
+          <ac:chgData name="Paul Wissler" userId="15675f06f034866b" providerId="LiveId" clId="{54B14F0B-452E-4466-84AB-488AAFD048DF}" dt="2021-10-30T00:35:13.350" v="108" actId="478"/>
+          <ac:cxnSpMkLst>
+            <pc:docMk/>
+            <pc:sldMk cId="3838175863" sldId="261"/>
+            <ac:cxnSpMk id="39" creationId="{0587F269-3111-4BF4-8266-5C5266FA0EF0}"/>
+          </ac:cxnSpMkLst>
+        </pc:cxnChg>
+        <pc:cxnChg chg="add del mod">
+          <ac:chgData name="Paul Wissler" userId="15675f06f034866b" providerId="LiveId" clId="{54B14F0B-452E-4466-84AB-488AAFD048DF}" dt="2021-10-30T00:35:09.379" v="105" actId="478"/>
+          <ac:cxnSpMkLst>
+            <pc:docMk/>
+            <pc:sldMk cId="3838175863" sldId="261"/>
+            <ac:cxnSpMk id="40" creationId="{3BBBA518-29DE-4B6B-93A1-F4C10FD7D661}"/>
+          </ac:cxnSpMkLst>
+        </pc:cxnChg>
+        <pc:cxnChg chg="add mod">
+          <ac:chgData name="Paul Wissler" userId="15675f06f034866b" providerId="LiveId" clId="{54B14F0B-452E-4466-84AB-488AAFD048DF}" dt="2021-10-30T17:04:21.778" v="179" actId="1076"/>
+          <ac:cxnSpMkLst>
+            <pc:docMk/>
+            <pc:sldMk cId="3838175863" sldId="261"/>
+            <ac:cxnSpMk id="48" creationId="{8A29FC0B-AC4A-4FB2-AB15-A1802C784060}"/>
+          </ac:cxnSpMkLst>
+        </pc:cxnChg>
+        <pc:cxnChg chg="add mod">
+          <ac:chgData name="Paul Wissler" userId="15675f06f034866b" providerId="LiveId" clId="{54B14F0B-452E-4466-84AB-488AAFD048DF}" dt="2021-10-30T17:04:21.778" v="179" actId="1076"/>
+          <ac:cxnSpMkLst>
+            <pc:docMk/>
+            <pc:sldMk cId="3838175863" sldId="261"/>
+            <ac:cxnSpMk id="49" creationId="{F1F7A89B-F90D-4ED8-9B3B-1FE0CB0CF52A}"/>
+          </ac:cxnSpMkLst>
+        </pc:cxnChg>
+        <pc:cxnChg chg="add mod">
+          <ac:chgData name="Paul Wissler" userId="15675f06f034866b" providerId="LiveId" clId="{54B14F0B-452E-4466-84AB-488AAFD048DF}" dt="2021-10-30T17:04:21.778" v="179" actId="1076"/>
+          <ac:cxnSpMkLst>
+            <pc:docMk/>
+            <pc:sldMk cId="3838175863" sldId="261"/>
+            <ac:cxnSpMk id="55" creationId="{929C0444-2328-4987-9F86-4CF863B0C529}"/>
+          </ac:cxnSpMkLst>
+        </pc:cxnChg>
+        <pc:cxnChg chg="add mod">
+          <ac:chgData name="Paul Wissler" userId="15675f06f034866b" providerId="LiveId" clId="{54B14F0B-452E-4466-84AB-488AAFD048DF}" dt="2021-10-30T17:04:21.778" v="179" actId="1076"/>
+          <ac:cxnSpMkLst>
+            <pc:docMk/>
+            <pc:sldMk cId="3838175863" sldId="261"/>
+            <ac:cxnSpMk id="56" creationId="{C016D17C-7A49-48BE-8F54-59318681DC68}"/>
+          </ac:cxnSpMkLst>
+        </pc:cxnChg>
+        <pc:cxnChg chg="add mod">
+          <ac:chgData name="Paul Wissler" userId="15675f06f034866b" providerId="LiveId" clId="{54B14F0B-452E-4466-84AB-488AAFD048DF}" dt="2021-10-30T17:04:21.778" v="179" actId="1076"/>
+          <ac:cxnSpMkLst>
+            <pc:docMk/>
+            <pc:sldMk cId="3838175863" sldId="261"/>
+            <ac:cxnSpMk id="65" creationId="{668D96FF-3476-4D1A-A9D4-4812D4F24839}"/>
+          </ac:cxnSpMkLst>
+        </pc:cxnChg>
+        <pc:cxnChg chg="add mod">
+          <ac:chgData name="Paul Wissler" userId="15675f06f034866b" providerId="LiveId" clId="{54B14F0B-452E-4466-84AB-488AAFD048DF}" dt="2021-10-30T17:04:21.778" v="179" actId="1076"/>
+          <ac:cxnSpMkLst>
+            <pc:docMk/>
+            <pc:sldMk cId="3838175863" sldId="261"/>
+            <ac:cxnSpMk id="66" creationId="{F6634450-908F-46C2-BD3A-80481B85AFC6}"/>
+          </ac:cxnSpMkLst>
+        </pc:cxnChg>
+        <pc:cxnChg chg="add mod">
+          <ac:chgData name="Paul Wissler" userId="15675f06f034866b" providerId="LiveId" clId="{54B14F0B-452E-4466-84AB-488AAFD048DF}" dt="2021-10-30T17:06:38.789" v="183" actId="1076"/>
+          <ac:cxnSpMkLst>
+            <pc:docMk/>
+            <pc:sldMk cId="3838175863" sldId="261"/>
+            <ac:cxnSpMk id="73" creationId="{B275A533-AC91-4696-BC0F-FD28A4F23651}"/>
+          </ac:cxnSpMkLst>
+        </pc:cxnChg>
+        <pc:cxnChg chg="add mod">
+          <ac:chgData name="Paul Wissler" userId="15675f06f034866b" providerId="LiveId" clId="{54B14F0B-452E-4466-84AB-488AAFD048DF}" dt="2021-10-30T17:06:38.789" v="183" actId="1076"/>
+          <ac:cxnSpMkLst>
+            <pc:docMk/>
+            <pc:sldMk cId="3838175863" sldId="261"/>
+            <ac:cxnSpMk id="74" creationId="{546C10B9-A1CF-480A-A36F-16F4B57F7226}"/>
+          </ac:cxnSpMkLst>
+        </pc:cxnChg>
       </pc:sldChg>
     </pc:docChg>
   </pc:docChgLst>
@@ -6690,6 +7295,1572 @@
 </p:sld>
 </file>
 
+<file path=ppt/slides/slide6.xml><?xml version="1.0" encoding="utf-8"?>
+<p:sld xmlns:a="http://schemas.openxmlformats.org/drawingml/2006/main" xmlns:r="http://schemas.openxmlformats.org/officeDocument/2006/relationships" xmlns:p="http://schemas.openxmlformats.org/presentationml/2006/main">
+  <p:cSld>
+    <p:spTree>
+      <p:nvGrpSpPr>
+        <p:cNvPr id="1" name=""/>
+        <p:cNvGrpSpPr/>
+        <p:nvPr/>
+      </p:nvGrpSpPr>
+      <p:grpSpPr>
+        <a:xfrm>
+          <a:off x="0" y="0"/>
+          <a:ext cx="0" cy="0"/>
+          <a:chOff x="0" y="0"/>
+          <a:chExt cx="0" cy="0"/>
+        </a:xfrm>
+      </p:grpSpPr>
+      <p:sp>
+        <p:nvSpPr>
+          <p:cNvPr id="25" name="TextBox 24">
+            <a:extLst>
+              <a:ext uri="{FF2B5EF4-FFF2-40B4-BE49-F238E27FC236}">
+                <a16:creationId xmlns:a16="http://schemas.microsoft.com/office/drawing/2014/main" id="{6B4E5479-57EC-4098-916A-CEBB36729F46}"/>
+              </a:ext>
+            </a:extLst>
+          </p:cNvPr>
+          <p:cNvSpPr txBox="1"/>
+          <p:nvPr/>
+        </p:nvSpPr>
+        <p:spPr>
+          <a:xfrm>
+            <a:off x="2676484" y="5639454"/>
+            <a:ext cx="2798143" cy="369332"/>
+          </a:xfrm>
+          <a:prstGeom prst="rect">
+            <a:avLst/>
+          </a:prstGeom>
+          <a:noFill/>
+        </p:spPr>
+        <p:txBody>
+          <a:bodyPr wrap="square" rtlCol="0">
+            <a:spAutoFit/>
+          </a:bodyPr>
+          <a:lstStyle/>
+          <a:p>
+            <a:r>
+              <a:rPr lang="en-US" dirty="0"/>
+              <a:t>Part 1 Q6</a:t>
+            </a:r>
+          </a:p>
+        </p:txBody>
+      </p:sp>
+      <p:cxnSp>
+        <p:nvCxnSpPr>
+          <p:cNvPr id="18" name="Straight Arrow Connector 17">
+            <a:extLst>
+              <a:ext uri="{FF2B5EF4-FFF2-40B4-BE49-F238E27FC236}">
+                <a16:creationId xmlns:a16="http://schemas.microsoft.com/office/drawing/2014/main" id="{7845796F-FAFE-4018-83FA-017C8E5A21E1}"/>
+              </a:ext>
+            </a:extLst>
+          </p:cNvPr>
+          <p:cNvCxnSpPr>
+            <a:cxnSpLocks/>
+          </p:cNvCxnSpPr>
+          <p:nvPr/>
+        </p:nvCxnSpPr>
+        <p:spPr>
+          <a:xfrm flipV="1">
+            <a:off x="190606" y="1562008"/>
+            <a:ext cx="0" cy="1433308"/>
+          </a:xfrm>
+          <a:prstGeom prst="straightConnector1">
+            <a:avLst/>
+          </a:prstGeom>
+          <a:ln>
+            <a:tailEnd type="triangle"/>
+          </a:ln>
+        </p:spPr>
+        <p:style>
+          <a:lnRef idx="1">
+            <a:schemeClr val="dk1"/>
+          </a:lnRef>
+          <a:fillRef idx="0">
+            <a:schemeClr val="dk1"/>
+          </a:fillRef>
+          <a:effectRef idx="0">
+            <a:schemeClr val="dk1"/>
+          </a:effectRef>
+          <a:fontRef idx="minor">
+            <a:schemeClr val="tx1"/>
+          </a:fontRef>
+        </p:style>
+      </p:cxnSp>
+      <p:cxnSp>
+        <p:nvCxnSpPr>
+          <p:cNvPr id="19" name="Straight Arrow Connector 18">
+            <a:extLst>
+              <a:ext uri="{FF2B5EF4-FFF2-40B4-BE49-F238E27FC236}">
+                <a16:creationId xmlns:a16="http://schemas.microsoft.com/office/drawing/2014/main" id="{903237DE-0164-4D37-8967-45177C55E8C5}"/>
+              </a:ext>
+            </a:extLst>
+          </p:cNvPr>
+          <p:cNvCxnSpPr>
+            <a:cxnSpLocks/>
+          </p:cNvCxnSpPr>
+          <p:nvPr/>
+        </p:nvCxnSpPr>
+        <p:spPr>
+          <a:xfrm>
+            <a:off x="187987" y="2995316"/>
+            <a:ext cx="1429246" cy="4354"/>
+          </a:xfrm>
+          <a:prstGeom prst="straightConnector1">
+            <a:avLst/>
+          </a:prstGeom>
+          <a:ln>
+            <a:tailEnd type="triangle"/>
+          </a:ln>
+        </p:spPr>
+        <p:style>
+          <a:lnRef idx="1">
+            <a:schemeClr val="dk1"/>
+          </a:lnRef>
+          <a:fillRef idx="0">
+            <a:schemeClr val="dk1"/>
+          </a:fillRef>
+          <a:effectRef idx="0">
+            <a:schemeClr val="dk1"/>
+          </a:effectRef>
+          <a:fontRef idx="minor">
+            <a:schemeClr val="tx1"/>
+          </a:fontRef>
+        </p:style>
+      </p:cxnSp>
+      <p:sp>
+        <p:nvSpPr>
+          <p:cNvPr id="31" name="Cross 30">
+            <a:extLst>
+              <a:ext uri="{FF2B5EF4-FFF2-40B4-BE49-F238E27FC236}">
+                <a16:creationId xmlns:a16="http://schemas.microsoft.com/office/drawing/2014/main" id="{D8844238-0DBB-4E5D-AE9D-11AC894C0554}"/>
+              </a:ext>
+            </a:extLst>
+          </p:cNvPr>
+          <p:cNvSpPr/>
+          <p:nvPr/>
+        </p:nvSpPr>
+        <p:spPr>
+          <a:xfrm>
+            <a:off x="596036" y="1904229"/>
+            <a:ext cx="160903" cy="149129"/>
+          </a:xfrm>
+          <a:prstGeom prst="plus">
+            <a:avLst/>
+          </a:prstGeom>
+        </p:spPr>
+        <p:style>
+          <a:lnRef idx="2">
+            <a:schemeClr val="accent6">
+              <a:shade val="50000"/>
+            </a:schemeClr>
+          </a:lnRef>
+          <a:fillRef idx="1">
+            <a:schemeClr val="accent6"/>
+          </a:fillRef>
+          <a:effectRef idx="0">
+            <a:schemeClr val="accent6"/>
+          </a:effectRef>
+          <a:fontRef idx="minor">
+            <a:schemeClr val="lt1"/>
+          </a:fontRef>
+        </p:style>
+        <p:txBody>
+          <a:bodyPr rtlCol="0" anchor="ctr"/>
+          <a:lstStyle/>
+          <a:p>
+            <a:pPr algn="ctr"/>
+            <a:endParaRPr lang="en-US"/>
+          </a:p>
+        </p:txBody>
+      </p:sp>
+      <p:sp>
+        <p:nvSpPr>
+          <p:cNvPr id="2" name="Rectangle 1">
+            <a:extLst>
+              <a:ext uri="{FF2B5EF4-FFF2-40B4-BE49-F238E27FC236}">
+                <a16:creationId xmlns:a16="http://schemas.microsoft.com/office/drawing/2014/main" id="{D00C38C2-D306-4B42-B9EA-5E8D07909702}"/>
+              </a:ext>
+            </a:extLst>
+          </p:cNvPr>
+          <p:cNvSpPr/>
+          <p:nvPr/>
+        </p:nvSpPr>
+        <p:spPr>
+          <a:xfrm>
+            <a:off x="466333" y="1840294"/>
+            <a:ext cx="420308" cy="276998"/>
+          </a:xfrm>
+          <a:prstGeom prst="rect">
+            <a:avLst/>
+          </a:prstGeom>
+          <a:noFill/>
+          <a:ln>
+            <a:solidFill>
+              <a:schemeClr val="accent2"/>
+            </a:solidFill>
+          </a:ln>
+        </p:spPr>
+        <p:style>
+          <a:lnRef idx="2">
+            <a:schemeClr val="accent1">
+              <a:shade val="50000"/>
+            </a:schemeClr>
+          </a:lnRef>
+          <a:fillRef idx="1">
+            <a:schemeClr val="accent1"/>
+          </a:fillRef>
+          <a:effectRef idx="0">
+            <a:schemeClr val="accent1"/>
+          </a:effectRef>
+          <a:fontRef idx="minor">
+            <a:schemeClr val="lt1"/>
+          </a:fontRef>
+        </p:style>
+        <p:txBody>
+          <a:bodyPr rtlCol="0" anchor="ctr"/>
+          <a:lstStyle/>
+          <a:p>
+            <a:pPr algn="ctr"/>
+            <a:endParaRPr lang="en-US"/>
+          </a:p>
+        </p:txBody>
+      </p:sp>
+      <p:cxnSp>
+        <p:nvCxnSpPr>
+          <p:cNvPr id="48" name="Straight Arrow Connector 47">
+            <a:extLst>
+              <a:ext uri="{FF2B5EF4-FFF2-40B4-BE49-F238E27FC236}">
+                <a16:creationId xmlns:a16="http://schemas.microsoft.com/office/drawing/2014/main" id="{8A29FC0B-AC4A-4FB2-AB15-A1802C784060}"/>
+              </a:ext>
+            </a:extLst>
+          </p:cNvPr>
+          <p:cNvCxnSpPr>
+            <a:cxnSpLocks/>
+          </p:cNvCxnSpPr>
+          <p:nvPr/>
+        </p:nvCxnSpPr>
+        <p:spPr>
+          <a:xfrm flipV="1">
+            <a:off x="1807780" y="1557654"/>
+            <a:ext cx="0" cy="1452966"/>
+          </a:xfrm>
+          <a:prstGeom prst="straightConnector1">
+            <a:avLst/>
+          </a:prstGeom>
+          <a:ln>
+            <a:tailEnd type="triangle"/>
+          </a:ln>
+        </p:spPr>
+        <p:style>
+          <a:lnRef idx="1">
+            <a:schemeClr val="dk1"/>
+          </a:lnRef>
+          <a:fillRef idx="0">
+            <a:schemeClr val="dk1"/>
+          </a:fillRef>
+          <a:effectRef idx="0">
+            <a:schemeClr val="dk1"/>
+          </a:effectRef>
+          <a:fontRef idx="minor">
+            <a:schemeClr val="tx1"/>
+          </a:fontRef>
+        </p:style>
+      </p:cxnSp>
+      <p:cxnSp>
+        <p:nvCxnSpPr>
+          <p:cNvPr id="49" name="Straight Arrow Connector 48">
+            <a:extLst>
+              <a:ext uri="{FF2B5EF4-FFF2-40B4-BE49-F238E27FC236}">
+                <a16:creationId xmlns:a16="http://schemas.microsoft.com/office/drawing/2014/main" id="{F1F7A89B-F90D-4ED8-9B3B-1FE0CB0CF52A}"/>
+              </a:ext>
+            </a:extLst>
+          </p:cNvPr>
+          <p:cNvCxnSpPr>
+            <a:cxnSpLocks/>
+          </p:cNvCxnSpPr>
+          <p:nvPr/>
+        </p:nvCxnSpPr>
+        <p:spPr>
+          <a:xfrm flipV="1">
+            <a:off x="1805161" y="2995316"/>
+            <a:ext cx="1429246" cy="15304"/>
+          </a:xfrm>
+          <a:prstGeom prst="straightConnector1">
+            <a:avLst/>
+          </a:prstGeom>
+          <a:ln>
+            <a:tailEnd type="triangle"/>
+          </a:ln>
+        </p:spPr>
+        <p:style>
+          <a:lnRef idx="1">
+            <a:schemeClr val="dk1"/>
+          </a:lnRef>
+          <a:fillRef idx="0">
+            <a:schemeClr val="dk1"/>
+          </a:fillRef>
+          <a:effectRef idx="0">
+            <a:schemeClr val="dk1"/>
+          </a:effectRef>
+          <a:fontRef idx="minor">
+            <a:schemeClr val="tx1"/>
+          </a:fontRef>
+        </p:style>
+      </p:cxnSp>
+      <p:sp>
+        <p:nvSpPr>
+          <p:cNvPr id="52" name="Cross 51">
+            <a:extLst>
+              <a:ext uri="{FF2B5EF4-FFF2-40B4-BE49-F238E27FC236}">
+                <a16:creationId xmlns:a16="http://schemas.microsoft.com/office/drawing/2014/main" id="{FBF136F2-6FA7-4486-B74B-98E44A3F8E9B}"/>
+              </a:ext>
+            </a:extLst>
+          </p:cNvPr>
+          <p:cNvSpPr/>
+          <p:nvPr/>
+        </p:nvSpPr>
+        <p:spPr>
+          <a:xfrm>
+            <a:off x="2320447" y="1969823"/>
+            <a:ext cx="160903" cy="149129"/>
+          </a:xfrm>
+          <a:prstGeom prst="plus">
+            <a:avLst/>
+          </a:prstGeom>
+        </p:spPr>
+        <p:style>
+          <a:lnRef idx="2">
+            <a:schemeClr val="accent6">
+              <a:shade val="50000"/>
+            </a:schemeClr>
+          </a:lnRef>
+          <a:fillRef idx="1">
+            <a:schemeClr val="accent6"/>
+          </a:fillRef>
+          <a:effectRef idx="0">
+            <a:schemeClr val="accent6"/>
+          </a:effectRef>
+          <a:fontRef idx="minor">
+            <a:schemeClr val="lt1"/>
+          </a:fontRef>
+        </p:style>
+        <p:txBody>
+          <a:bodyPr rtlCol="0" anchor="ctr"/>
+          <a:lstStyle/>
+          <a:p>
+            <a:pPr algn="ctr"/>
+            <a:endParaRPr lang="en-US"/>
+          </a:p>
+        </p:txBody>
+      </p:sp>
+      <p:sp>
+        <p:nvSpPr>
+          <p:cNvPr id="53" name="Rectangle 52">
+            <a:extLst>
+              <a:ext uri="{FF2B5EF4-FFF2-40B4-BE49-F238E27FC236}">
+                <a16:creationId xmlns:a16="http://schemas.microsoft.com/office/drawing/2014/main" id="{2D310B78-ECAC-4CD2-95BB-D729D1CBF909}"/>
+              </a:ext>
+            </a:extLst>
+          </p:cNvPr>
+          <p:cNvSpPr/>
+          <p:nvPr/>
+        </p:nvSpPr>
+        <p:spPr>
+          <a:xfrm>
+            <a:off x="2044972" y="2495341"/>
+            <a:ext cx="170058" cy="45719"/>
+          </a:xfrm>
+          <a:prstGeom prst="rect">
+            <a:avLst/>
+          </a:prstGeom>
+          <a:solidFill>
+            <a:srgbClr val="FF0000"/>
+          </a:solidFill>
+        </p:spPr>
+        <p:style>
+          <a:lnRef idx="2">
+            <a:schemeClr val="accent1">
+              <a:shade val="50000"/>
+            </a:schemeClr>
+          </a:lnRef>
+          <a:fillRef idx="1">
+            <a:schemeClr val="accent1"/>
+          </a:fillRef>
+          <a:effectRef idx="0">
+            <a:schemeClr val="accent1"/>
+          </a:effectRef>
+          <a:fontRef idx="minor">
+            <a:schemeClr val="lt1"/>
+          </a:fontRef>
+        </p:style>
+        <p:txBody>
+          <a:bodyPr rtlCol="0" anchor="ctr"/>
+          <a:lstStyle/>
+          <a:p>
+            <a:pPr algn="ctr"/>
+            <a:endParaRPr lang="en-US"/>
+          </a:p>
+        </p:txBody>
+      </p:sp>
+      <p:sp>
+        <p:nvSpPr>
+          <p:cNvPr id="54" name="Rectangle 53">
+            <a:extLst>
+              <a:ext uri="{FF2B5EF4-FFF2-40B4-BE49-F238E27FC236}">
+                <a16:creationId xmlns:a16="http://schemas.microsoft.com/office/drawing/2014/main" id="{D41DBA54-875C-429F-9874-832DCB5894F7}"/>
+              </a:ext>
+            </a:extLst>
+          </p:cNvPr>
+          <p:cNvSpPr/>
+          <p:nvPr/>
+        </p:nvSpPr>
+        <p:spPr>
+          <a:xfrm>
+            <a:off x="2190969" y="1919533"/>
+            <a:ext cx="420308" cy="276998"/>
+          </a:xfrm>
+          <a:prstGeom prst="rect">
+            <a:avLst/>
+          </a:prstGeom>
+          <a:noFill/>
+          <a:ln>
+            <a:solidFill>
+              <a:schemeClr val="accent2"/>
+            </a:solidFill>
+          </a:ln>
+        </p:spPr>
+        <p:style>
+          <a:lnRef idx="2">
+            <a:schemeClr val="accent1">
+              <a:shade val="50000"/>
+            </a:schemeClr>
+          </a:lnRef>
+          <a:fillRef idx="1">
+            <a:schemeClr val="accent1"/>
+          </a:fillRef>
+          <a:effectRef idx="0">
+            <a:schemeClr val="accent1"/>
+          </a:effectRef>
+          <a:fontRef idx="minor">
+            <a:schemeClr val="lt1"/>
+          </a:fontRef>
+        </p:style>
+        <p:txBody>
+          <a:bodyPr rtlCol="0" anchor="ctr"/>
+          <a:lstStyle/>
+          <a:p>
+            <a:pPr algn="ctr"/>
+            <a:endParaRPr lang="en-US"/>
+          </a:p>
+        </p:txBody>
+      </p:sp>
+      <p:cxnSp>
+        <p:nvCxnSpPr>
+          <p:cNvPr id="55" name="Straight Arrow Connector 54">
+            <a:extLst>
+              <a:ext uri="{FF2B5EF4-FFF2-40B4-BE49-F238E27FC236}">
+                <a16:creationId xmlns:a16="http://schemas.microsoft.com/office/drawing/2014/main" id="{929C0444-2328-4987-9F86-4CF863B0C529}"/>
+              </a:ext>
+            </a:extLst>
+          </p:cNvPr>
+          <p:cNvCxnSpPr>
+            <a:cxnSpLocks/>
+          </p:cNvCxnSpPr>
+          <p:nvPr/>
+        </p:nvCxnSpPr>
+        <p:spPr>
+          <a:xfrm flipV="1">
+            <a:off x="3421681" y="1560663"/>
+            <a:ext cx="0" cy="1452966"/>
+          </a:xfrm>
+          <a:prstGeom prst="straightConnector1">
+            <a:avLst/>
+          </a:prstGeom>
+          <a:ln>
+            <a:tailEnd type="triangle"/>
+          </a:ln>
+        </p:spPr>
+        <p:style>
+          <a:lnRef idx="1">
+            <a:schemeClr val="dk1"/>
+          </a:lnRef>
+          <a:fillRef idx="0">
+            <a:schemeClr val="dk1"/>
+          </a:fillRef>
+          <a:effectRef idx="0">
+            <a:schemeClr val="dk1"/>
+          </a:effectRef>
+          <a:fontRef idx="minor">
+            <a:schemeClr val="tx1"/>
+          </a:fontRef>
+        </p:style>
+      </p:cxnSp>
+      <p:cxnSp>
+        <p:nvCxnSpPr>
+          <p:cNvPr id="56" name="Straight Arrow Connector 55">
+            <a:extLst>
+              <a:ext uri="{FF2B5EF4-FFF2-40B4-BE49-F238E27FC236}">
+                <a16:creationId xmlns:a16="http://schemas.microsoft.com/office/drawing/2014/main" id="{C016D17C-7A49-48BE-8F54-59318681DC68}"/>
+              </a:ext>
+            </a:extLst>
+          </p:cNvPr>
+          <p:cNvCxnSpPr>
+            <a:cxnSpLocks/>
+          </p:cNvCxnSpPr>
+          <p:nvPr/>
+        </p:nvCxnSpPr>
+        <p:spPr>
+          <a:xfrm flipV="1">
+            <a:off x="3419062" y="2998325"/>
+            <a:ext cx="1429246" cy="15304"/>
+          </a:xfrm>
+          <a:prstGeom prst="straightConnector1">
+            <a:avLst/>
+          </a:prstGeom>
+          <a:ln>
+            <a:tailEnd type="triangle"/>
+          </a:ln>
+        </p:spPr>
+        <p:style>
+          <a:lnRef idx="1">
+            <a:schemeClr val="dk1"/>
+          </a:lnRef>
+          <a:fillRef idx="0">
+            <a:schemeClr val="dk1"/>
+          </a:fillRef>
+          <a:effectRef idx="0">
+            <a:schemeClr val="dk1"/>
+          </a:effectRef>
+          <a:fontRef idx="minor">
+            <a:schemeClr val="tx1"/>
+          </a:fontRef>
+        </p:style>
+      </p:cxnSp>
+      <p:sp>
+        <p:nvSpPr>
+          <p:cNvPr id="57" name="Cross 56">
+            <a:extLst>
+              <a:ext uri="{FF2B5EF4-FFF2-40B4-BE49-F238E27FC236}">
+                <a16:creationId xmlns:a16="http://schemas.microsoft.com/office/drawing/2014/main" id="{032B871C-6CB4-48F9-98F8-BF2F70D838F6}"/>
+              </a:ext>
+            </a:extLst>
+          </p:cNvPr>
+          <p:cNvSpPr/>
+          <p:nvPr/>
+        </p:nvSpPr>
+        <p:spPr>
+          <a:xfrm>
+            <a:off x="4521674" y="1858607"/>
+            <a:ext cx="160903" cy="149129"/>
+          </a:xfrm>
+          <a:prstGeom prst="plus">
+            <a:avLst/>
+          </a:prstGeom>
+        </p:spPr>
+        <p:style>
+          <a:lnRef idx="2">
+            <a:schemeClr val="accent6">
+              <a:shade val="50000"/>
+            </a:schemeClr>
+          </a:lnRef>
+          <a:fillRef idx="1">
+            <a:schemeClr val="accent6"/>
+          </a:fillRef>
+          <a:effectRef idx="0">
+            <a:schemeClr val="accent6"/>
+          </a:effectRef>
+          <a:fontRef idx="minor">
+            <a:schemeClr val="lt1"/>
+          </a:fontRef>
+        </p:style>
+        <p:txBody>
+          <a:bodyPr rtlCol="0" anchor="ctr"/>
+          <a:lstStyle/>
+          <a:p>
+            <a:pPr algn="ctr"/>
+            <a:endParaRPr lang="en-US"/>
+          </a:p>
+        </p:txBody>
+      </p:sp>
+      <p:sp>
+        <p:nvSpPr>
+          <p:cNvPr id="58" name="Rectangle 57">
+            <a:extLst>
+              <a:ext uri="{FF2B5EF4-FFF2-40B4-BE49-F238E27FC236}">
+                <a16:creationId xmlns:a16="http://schemas.microsoft.com/office/drawing/2014/main" id="{93686ACE-07CD-43A1-8CDF-344065DABA85}"/>
+              </a:ext>
+            </a:extLst>
+          </p:cNvPr>
+          <p:cNvSpPr/>
+          <p:nvPr/>
+        </p:nvSpPr>
+        <p:spPr>
+          <a:xfrm>
+            <a:off x="3882216" y="2015323"/>
+            <a:ext cx="170058" cy="45719"/>
+          </a:xfrm>
+          <a:prstGeom prst="rect">
+            <a:avLst/>
+          </a:prstGeom>
+          <a:solidFill>
+            <a:srgbClr val="FF0000"/>
+          </a:solidFill>
+        </p:spPr>
+        <p:style>
+          <a:lnRef idx="2">
+            <a:schemeClr val="accent1">
+              <a:shade val="50000"/>
+            </a:schemeClr>
+          </a:lnRef>
+          <a:fillRef idx="1">
+            <a:schemeClr val="accent1"/>
+          </a:fillRef>
+          <a:effectRef idx="0">
+            <a:schemeClr val="accent1"/>
+          </a:effectRef>
+          <a:fontRef idx="minor">
+            <a:schemeClr val="lt1"/>
+          </a:fontRef>
+        </p:style>
+        <p:txBody>
+          <a:bodyPr rtlCol="0" anchor="ctr"/>
+          <a:lstStyle/>
+          <a:p>
+            <a:pPr algn="ctr"/>
+            <a:endParaRPr lang="en-US"/>
+          </a:p>
+        </p:txBody>
+      </p:sp>
+      <p:sp>
+        <p:nvSpPr>
+          <p:cNvPr id="9" name="TextBox 8">
+            <a:extLst>
+              <a:ext uri="{FF2B5EF4-FFF2-40B4-BE49-F238E27FC236}">
+                <a16:creationId xmlns:a16="http://schemas.microsoft.com/office/drawing/2014/main" id="{FDEF1897-3546-4A95-AB21-675D458A8F1E}"/>
+              </a:ext>
+            </a:extLst>
+          </p:cNvPr>
+          <p:cNvSpPr txBox="1"/>
+          <p:nvPr/>
+        </p:nvSpPr>
+        <p:spPr>
+          <a:xfrm>
+            <a:off x="527357" y="3117334"/>
+            <a:ext cx="538930" cy="369332"/>
+          </a:xfrm>
+          <a:prstGeom prst="rect">
+            <a:avLst/>
+          </a:prstGeom>
+          <a:noFill/>
+        </p:spPr>
+        <p:txBody>
+          <a:bodyPr wrap="none" rtlCol="0">
+            <a:spAutoFit/>
+          </a:bodyPr>
+          <a:lstStyle/>
+          <a:p>
+            <a:r>
+              <a:rPr lang="en-US" dirty="0"/>
+              <a:t>d=1</a:t>
+            </a:r>
+          </a:p>
+        </p:txBody>
+      </p:sp>
+      <p:sp>
+        <p:nvSpPr>
+          <p:cNvPr id="60" name="TextBox 59">
+            <a:extLst>
+              <a:ext uri="{FF2B5EF4-FFF2-40B4-BE49-F238E27FC236}">
+                <a16:creationId xmlns:a16="http://schemas.microsoft.com/office/drawing/2014/main" id="{45697834-8DBA-4B0E-BBC6-47EFBC8627A2}"/>
+              </a:ext>
+            </a:extLst>
+          </p:cNvPr>
+          <p:cNvSpPr txBox="1"/>
+          <p:nvPr/>
+        </p:nvSpPr>
+        <p:spPr>
+          <a:xfrm>
+            <a:off x="2211885" y="3132637"/>
+            <a:ext cx="538930" cy="369332"/>
+          </a:xfrm>
+          <a:prstGeom prst="rect">
+            <a:avLst/>
+          </a:prstGeom>
+          <a:noFill/>
+        </p:spPr>
+        <p:txBody>
+          <a:bodyPr wrap="none" rtlCol="0">
+            <a:spAutoFit/>
+          </a:bodyPr>
+          <a:lstStyle/>
+          <a:p>
+            <a:r>
+              <a:rPr lang="en-US" dirty="0"/>
+              <a:t>d=2</a:t>
+            </a:r>
+          </a:p>
+        </p:txBody>
+      </p:sp>
+      <p:sp>
+        <p:nvSpPr>
+          <p:cNvPr id="62" name="TextBox 61">
+            <a:extLst>
+              <a:ext uri="{FF2B5EF4-FFF2-40B4-BE49-F238E27FC236}">
+                <a16:creationId xmlns:a16="http://schemas.microsoft.com/office/drawing/2014/main" id="{C15C8C23-40F6-4C95-BEBB-D31127C74539}"/>
+              </a:ext>
+            </a:extLst>
+          </p:cNvPr>
+          <p:cNvSpPr txBox="1"/>
+          <p:nvPr/>
+        </p:nvSpPr>
+        <p:spPr>
+          <a:xfrm>
+            <a:off x="3864220" y="3135647"/>
+            <a:ext cx="538930" cy="369332"/>
+          </a:xfrm>
+          <a:prstGeom prst="rect">
+            <a:avLst/>
+          </a:prstGeom>
+          <a:noFill/>
+        </p:spPr>
+        <p:txBody>
+          <a:bodyPr wrap="none" rtlCol="0">
+            <a:spAutoFit/>
+          </a:bodyPr>
+          <a:lstStyle/>
+          <a:p>
+            <a:r>
+              <a:rPr lang="en-US" dirty="0"/>
+              <a:t>d=3</a:t>
+            </a:r>
+          </a:p>
+        </p:txBody>
+      </p:sp>
+      <p:sp>
+        <p:nvSpPr>
+          <p:cNvPr id="63" name="Cross 62">
+            <a:extLst>
+              <a:ext uri="{FF2B5EF4-FFF2-40B4-BE49-F238E27FC236}">
+                <a16:creationId xmlns:a16="http://schemas.microsoft.com/office/drawing/2014/main" id="{D9B9B6D6-7E48-430C-81C3-5C808A0E4680}"/>
+              </a:ext>
+            </a:extLst>
+          </p:cNvPr>
+          <p:cNvSpPr/>
+          <p:nvPr/>
+        </p:nvSpPr>
+        <p:spPr>
+          <a:xfrm>
+            <a:off x="3654717" y="2434433"/>
+            <a:ext cx="160903" cy="149129"/>
+          </a:xfrm>
+          <a:prstGeom prst="plus">
+            <a:avLst/>
+          </a:prstGeom>
+        </p:spPr>
+        <p:style>
+          <a:lnRef idx="2">
+            <a:schemeClr val="accent6">
+              <a:shade val="50000"/>
+            </a:schemeClr>
+          </a:lnRef>
+          <a:fillRef idx="1">
+            <a:schemeClr val="accent6"/>
+          </a:fillRef>
+          <a:effectRef idx="0">
+            <a:schemeClr val="accent6"/>
+          </a:effectRef>
+          <a:fontRef idx="minor">
+            <a:schemeClr val="lt1"/>
+          </a:fontRef>
+        </p:style>
+        <p:txBody>
+          <a:bodyPr rtlCol="0" anchor="ctr"/>
+          <a:lstStyle/>
+          <a:p>
+            <a:pPr algn="ctr"/>
+            <a:endParaRPr lang="en-US"/>
+          </a:p>
+        </p:txBody>
+      </p:sp>
+      <p:sp>
+        <p:nvSpPr>
+          <p:cNvPr id="64" name="Rectangle 63">
+            <a:extLst>
+              <a:ext uri="{FF2B5EF4-FFF2-40B4-BE49-F238E27FC236}">
+                <a16:creationId xmlns:a16="http://schemas.microsoft.com/office/drawing/2014/main" id="{9D277212-8FFE-45F3-8911-E1A990095B70}"/>
+              </a:ext>
+            </a:extLst>
+          </p:cNvPr>
+          <p:cNvSpPr/>
+          <p:nvPr/>
+        </p:nvSpPr>
+        <p:spPr>
+          <a:xfrm rot="19606402">
+            <a:off x="3473097" y="2093620"/>
+            <a:ext cx="1356237" cy="276998"/>
+          </a:xfrm>
+          <a:prstGeom prst="rect">
+            <a:avLst/>
+          </a:prstGeom>
+          <a:noFill/>
+          <a:ln>
+            <a:solidFill>
+              <a:schemeClr val="accent2"/>
+            </a:solidFill>
+          </a:ln>
+        </p:spPr>
+        <p:style>
+          <a:lnRef idx="2">
+            <a:schemeClr val="accent1">
+              <a:shade val="50000"/>
+            </a:schemeClr>
+          </a:lnRef>
+          <a:fillRef idx="1">
+            <a:schemeClr val="accent1"/>
+          </a:fillRef>
+          <a:effectRef idx="0">
+            <a:schemeClr val="accent1"/>
+          </a:effectRef>
+          <a:fontRef idx="minor">
+            <a:schemeClr val="lt1"/>
+          </a:fontRef>
+        </p:style>
+        <p:txBody>
+          <a:bodyPr rtlCol="0" anchor="ctr"/>
+          <a:lstStyle/>
+          <a:p>
+            <a:pPr algn="ctr"/>
+            <a:endParaRPr lang="en-US"/>
+          </a:p>
+        </p:txBody>
+      </p:sp>
+      <p:cxnSp>
+        <p:nvCxnSpPr>
+          <p:cNvPr id="65" name="Straight Arrow Connector 64">
+            <a:extLst>
+              <a:ext uri="{FF2B5EF4-FFF2-40B4-BE49-F238E27FC236}">
+                <a16:creationId xmlns:a16="http://schemas.microsoft.com/office/drawing/2014/main" id="{668D96FF-3476-4D1A-A9D4-4812D4F24839}"/>
+              </a:ext>
+            </a:extLst>
+          </p:cNvPr>
+          <p:cNvCxnSpPr>
+            <a:cxnSpLocks/>
+          </p:cNvCxnSpPr>
+          <p:nvPr/>
+        </p:nvCxnSpPr>
+        <p:spPr>
+          <a:xfrm flipV="1">
+            <a:off x="5137900" y="1542350"/>
+            <a:ext cx="0" cy="1452966"/>
+          </a:xfrm>
+          <a:prstGeom prst="straightConnector1">
+            <a:avLst/>
+          </a:prstGeom>
+          <a:ln>
+            <a:tailEnd type="triangle"/>
+          </a:ln>
+        </p:spPr>
+        <p:style>
+          <a:lnRef idx="1">
+            <a:schemeClr val="dk1"/>
+          </a:lnRef>
+          <a:fillRef idx="0">
+            <a:schemeClr val="dk1"/>
+          </a:fillRef>
+          <a:effectRef idx="0">
+            <a:schemeClr val="dk1"/>
+          </a:effectRef>
+          <a:fontRef idx="minor">
+            <a:schemeClr val="tx1"/>
+          </a:fontRef>
+        </p:style>
+      </p:cxnSp>
+      <p:cxnSp>
+        <p:nvCxnSpPr>
+          <p:cNvPr id="66" name="Straight Arrow Connector 65">
+            <a:extLst>
+              <a:ext uri="{FF2B5EF4-FFF2-40B4-BE49-F238E27FC236}">
+                <a16:creationId xmlns:a16="http://schemas.microsoft.com/office/drawing/2014/main" id="{F6634450-908F-46C2-BD3A-80481B85AFC6}"/>
+              </a:ext>
+            </a:extLst>
+          </p:cNvPr>
+          <p:cNvCxnSpPr>
+            <a:cxnSpLocks/>
+          </p:cNvCxnSpPr>
+          <p:nvPr/>
+        </p:nvCxnSpPr>
+        <p:spPr>
+          <a:xfrm flipV="1">
+            <a:off x="5135281" y="2980012"/>
+            <a:ext cx="1429246" cy="15304"/>
+          </a:xfrm>
+          <a:prstGeom prst="straightConnector1">
+            <a:avLst/>
+          </a:prstGeom>
+          <a:ln>
+            <a:tailEnd type="triangle"/>
+          </a:ln>
+        </p:spPr>
+        <p:style>
+          <a:lnRef idx="1">
+            <a:schemeClr val="dk1"/>
+          </a:lnRef>
+          <a:fillRef idx="0">
+            <a:schemeClr val="dk1"/>
+          </a:fillRef>
+          <a:effectRef idx="0">
+            <a:schemeClr val="dk1"/>
+          </a:effectRef>
+          <a:fontRef idx="minor">
+            <a:schemeClr val="tx1"/>
+          </a:fontRef>
+        </p:style>
+      </p:cxnSp>
+      <p:sp>
+        <p:nvSpPr>
+          <p:cNvPr id="67" name="Cross 66">
+            <a:extLst>
+              <a:ext uri="{FF2B5EF4-FFF2-40B4-BE49-F238E27FC236}">
+                <a16:creationId xmlns:a16="http://schemas.microsoft.com/office/drawing/2014/main" id="{3F6345C3-A032-4690-9EED-76BCE8F2E1C8}"/>
+              </a:ext>
+            </a:extLst>
+          </p:cNvPr>
+          <p:cNvSpPr/>
+          <p:nvPr/>
+        </p:nvSpPr>
+        <p:spPr>
+          <a:xfrm>
+            <a:off x="6237893" y="1840294"/>
+            <a:ext cx="160903" cy="149129"/>
+          </a:xfrm>
+          <a:prstGeom prst="plus">
+            <a:avLst/>
+          </a:prstGeom>
+        </p:spPr>
+        <p:style>
+          <a:lnRef idx="2">
+            <a:schemeClr val="accent6">
+              <a:shade val="50000"/>
+            </a:schemeClr>
+          </a:lnRef>
+          <a:fillRef idx="1">
+            <a:schemeClr val="accent6"/>
+          </a:fillRef>
+          <a:effectRef idx="0">
+            <a:schemeClr val="accent6"/>
+          </a:effectRef>
+          <a:fontRef idx="minor">
+            <a:schemeClr val="lt1"/>
+          </a:fontRef>
+        </p:style>
+        <p:txBody>
+          <a:bodyPr rtlCol="0" anchor="ctr"/>
+          <a:lstStyle/>
+          <a:p>
+            <a:pPr algn="ctr"/>
+            <a:endParaRPr lang="en-US"/>
+          </a:p>
+        </p:txBody>
+      </p:sp>
+      <p:sp>
+        <p:nvSpPr>
+          <p:cNvPr id="68" name="Rectangle 67">
+            <a:extLst>
+              <a:ext uri="{FF2B5EF4-FFF2-40B4-BE49-F238E27FC236}">
+                <a16:creationId xmlns:a16="http://schemas.microsoft.com/office/drawing/2014/main" id="{430425F8-1916-45EE-9C16-3BADEE28873E}"/>
+              </a:ext>
+            </a:extLst>
+          </p:cNvPr>
+          <p:cNvSpPr/>
+          <p:nvPr/>
+        </p:nvSpPr>
+        <p:spPr>
+          <a:xfrm>
+            <a:off x="5598435" y="1997010"/>
+            <a:ext cx="170058" cy="45719"/>
+          </a:xfrm>
+          <a:prstGeom prst="rect">
+            <a:avLst/>
+          </a:prstGeom>
+          <a:solidFill>
+            <a:srgbClr val="FF0000"/>
+          </a:solidFill>
+        </p:spPr>
+        <p:style>
+          <a:lnRef idx="2">
+            <a:schemeClr val="accent1">
+              <a:shade val="50000"/>
+            </a:schemeClr>
+          </a:lnRef>
+          <a:fillRef idx="1">
+            <a:schemeClr val="accent1"/>
+          </a:fillRef>
+          <a:effectRef idx="0">
+            <a:schemeClr val="accent1"/>
+          </a:effectRef>
+          <a:fontRef idx="minor">
+            <a:schemeClr val="lt1"/>
+          </a:fontRef>
+        </p:style>
+        <p:txBody>
+          <a:bodyPr rtlCol="0" anchor="ctr"/>
+          <a:lstStyle/>
+          <a:p>
+            <a:pPr algn="ctr"/>
+            <a:endParaRPr lang="en-US"/>
+          </a:p>
+        </p:txBody>
+      </p:sp>
+      <p:sp>
+        <p:nvSpPr>
+          <p:cNvPr id="69" name="TextBox 68">
+            <a:extLst>
+              <a:ext uri="{FF2B5EF4-FFF2-40B4-BE49-F238E27FC236}">
+                <a16:creationId xmlns:a16="http://schemas.microsoft.com/office/drawing/2014/main" id="{40725A92-AFBC-4FA2-9DA1-ABF38C4EB09C}"/>
+              </a:ext>
+            </a:extLst>
+          </p:cNvPr>
+          <p:cNvSpPr txBox="1"/>
+          <p:nvPr/>
+        </p:nvSpPr>
+        <p:spPr>
+          <a:xfrm>
+            <a:off x="5580439" y="3117334"/>
+            <a:ext cx="538930" cy="369332"/>
+          </a:xfrm>
+          <a:prstGeom prst="rect">
+            <a:avLst/>
+          </a:prstGeom>
+          <a:noFill/>
+        </p:spPr>
+        <p:txBody>
+          <a:bodyPr wrap="none" rtlCol="0">
+            <a:spAutoFit/>
+          </a:bodyPr>
+          <a:lstStyle/>
+          <a:p>
+            <a:r>
+              <a:rPr lang="en-US" dirty="0"/>
+              <a:t>d=4</a:t>
+            </a:r>
+          </a:p>
+        </p:txBody>
+      </p:sp>
+      <p:sp>
+        <p:nvSpPr>
+          <p:cNvPr id="70" name="Cross 69">
+            <a:extLst>
+              <a:ext uri="{FF2B5EF4-FFF2-40B4-BE49-F238E27FC236}">
+                <a16:creationId xmlns:a16="http://schemas.microsoft.com/office/drawing/2014/main" id="{00236557-36AA-4002-8409-147878C1803A}"/>
+              </a:ext>
+            </a:extLst>
+          </p:cNvPr>
+          <p:cNvSpPr/>
+          <p:nvPr/>
+        </p:nvSpPr>
+        <p:spPr>
+          <a:xfrm>
+            <a:off x="5370936" y="2416120"/>
+            <a:ext cx="160903" cy="149129"/>
+          </a:xfrm>
+          <a:prstGeom prst="plus">
+            <a:avLst/>
+          </a:prstGeom>
+        </p:spPr>
+        <p:style>
+          <a:lnRef idx="2">
+            <a:schemeClr val="accent6">
+              <a:shade val="50000"/>
+            </a:schemeClr>
+          </a:lnRef>
+          <a:fillRef idx="1">
+            <a:schemeClr val="accent6"/>
+          </a:fillRef>
+          <a:effectRef idx="0">
+            <a:schemeClr val="accent6"/>
+          </a:effectRef>
+          <a:fontRef idx="minor">
+            <a:schemeClr val="lt1"/>
+          </a:fontRef>
+        </p:style>
+        <p:txBody>
+          <a:bodyPr rtlCol="0" anchor="ctr"/>
+          <a:lstStyle/>
+          <a:p>
+            <a:pPr algn="ctr"/>
+            <a:endParaRPr lang="en-US"/>
+          </a:p>
+        </p:txBody>
+      </p:sp>
+      <p:sp>
+        <p:nvSpPr>
+          <p:cNvPr id="71" name="Rectangle 70">
+            <a:extLst>
+              <a:ext uri="{FF2B5EF4-FFF2-40B4-BE49-F238E27FC236}">
+                <a16:creationId xmlns:a16="http://schemas.microsoft.com/office/drawing/2014/main" id="{091DD61C-647C-476C-AE44-958B94AF6FD0}"/>
+              </a:ext>
+            </a:extLst>
+          </p:cNvPr>
+          <p:cNvSpPr/>
+          <p:nvPr/>
+        </p:nvSpPr>
+        <p:spPr>
+          <a:xfrm rot="19606402">
+            <a:off x="5189316" y="2075307"/>
+            <a:ext cx="1356237" cy="276998"/>
+          </a:xfrm>
+          <a:prstGeom prst="rect">
+            <a:avLst/>
+          </a:prstGeom>
+          <a:noFill/>
+          <a:ln>
+            <a:solidFill>
+              <a:schemeClr val="accent2"/>
+            </a:solidFill>
+          </a:ln>
+        </p:spPr>
+        <p:style>
+          <a:lnRef idx="2">
+            <a:schemeClr val="accent1">
+              <a:shade val="50000"/>
+            </a:schemeClr>
+          </a:lnRef>
+          <a:fillRef idx="1">
+            <a:schemeClr val="accent1"/>
+          </a:fillRef>
+          <a:effectRef idx="0">
+            <a:schemeClr val="accent1"/>
+          </a:effectRef>
+          <a:fontRef idx="minor">
+            <a:schemeClr val="lt1"/>
+          </a:fontRef>
+        </p:style>
+        <p:txBody>
+          <a:bodyPr rtlCol="0" anchor="ctr"/>
+          <a:lstStyle/>
+          <a:p>
+            <a:pPr algn="ctr"/>
+            <a:endParaRPr lang="en-US"/>
+          </a:p>
+        </p:txBody>
+      </p:sp>
+      <p:sp>
+        <p:nvSpPr>
+          <p:cNvPr id="72" name="Rectangle 71">
+            <a:extLst>
+              <a:ext uri="{FF2B5EF4-FFF2-40B4-BE49-F238E27FC236}">
+                <a16:creationId xmlns:a16="http://schemas.microsoft.com/office/drawing/2014/main" id="{74448591-E3E1-4C60-9B22-210F702C0577}"/>
+              </a:ext>
+            </a:extLst>
+          </p:cNvPr>
+          <p:cNvSpPr/>
+          <p:nvPr/>
+        </p:nvSpPr>
+        <p:spPr>
+          <a:xfrm>
+            <a:off x="5949311" y="2486137"/>
+            <a:ext cx="170058" cy="45719"/>
+          </a:xfrm>
+          <a:prstGeom prst="rect">
+            <a:avLst/>
+          </a:prstGeom>
+          <a:solidFill>
+            <a:srgbClr val="FF0000"/>
+          </a:solidFill>
+        </p:spPr>
+        <p:style>
+          <a:lnRef idx="2">
+            <a:schemeClr val="accent1">
+              <a:shade val="50000"/>
+            </a:schemeClr>
+          </a:lnRef>
+          <a:fillRef idx="1">
+            <a:schemeClr val="accent1"/>
+          </a:fillRef>
+          <a:effectRef idx="0">
+            <a:schemeClr val="accent1"/>
+          </a:effectRef>
+          <a:fontRef idx="minor">
+            <a:schemeClr val="lt1"/>
+          </a:fontRef>
+        </p:style>
+        <p:txBody>
+          <a:bodyPr rtlCol="0" anchor="ctr"/>
+          <a:lstStyle/>
+          <a:p>
+            <a:pPr algn="ctr"/>
+            <a:endParaRPr lang="en-US"/>
+          </a:p>
+        </p:txBody>
+      </p:sp>
+      <p:cxnSp>
+        <p:nvCxnSpPr>
+          <p:cNvPr id="73" name="Straight Arrow Connector 72">
+            <a:extLst>
+              <a:ext uri="{FF2B5EF4-FFF2-40B4-BE49-F238E27FC236}">
+                <a16:creationId xmlns:a16="http://schemas.microsoft.com/office/drawing/2014/main" id="{B275A533-AC91-4696-BC0F-FD28A4F23651}"/>
+              </a:ext>
+            </a:extLst>
+          </p:cNvPr>
+          <p:cNvCxnSpPr>
+            <a:cxnSpLocks/>
+          </p:cNvCxnSpPr>
+          <p:nvPr/>
+        </p:nvCxnSpPr>
+        <p:spPr>
+          <a:xfrm flipV="1">
+            <a:off x="6706899" y="1538030"/>
+            <a:ext cx="0" cy="1452966"/>
+          </a:xfrm>
+          <a:prstGeom prst="straightConnector1">
+            <a:avLst/>
+          </a:prstGeom>
+          <a:ln>
+            <a:tailEnd type="triangle"/>
+          </a:ln>
+        </p:spPr>
+        <p:style>
+          <a:lnRef idx="1">
+            <a:schemeClr val="dk1"/>
+          </a:lnRef>
+          <a:fillRef idx="0">
+            <a:schemeClr val="dk1"/>
+          </a:fillRef>
+          <a:effectRef idx="0">
+            <a:schemeClr val="dk1"/>
+          </a:effectRef>
+          <a:fontRef idx="minor">
+            <a:schemeClr val="tx1"/>
+          </a:fontRef>
+        </p:style>
+      </p:cxnSp>
+      <p:cxnSp>
+        <p:nvCxnSpPr>
+          <p:cNvPr id="74" name="Straight Arrow Connector 73">
+            <a:extLst>
+              <a:ext uri="{FF2B5EF4-FFF2-40B4-BE49-F238E27FC236}">
+                <a16:creationId xmlns:a16="http://schemas.microsoft.com/office/drawing/2014/main" id="{546C10B9-A1CF-480A-A36F-16F4B57F7226}"/>
+              </a:ext>
+            </a:extLst>
+          </p:cNvPr>
+          <p:cNvCxnSpPr>
+            <a:cxnSpLocks/>
+          </p:cNvCxnSpPr>
+          <p:nvPr/>
+        </p:nvCxnSpPr>
+        <p:spPr>
+          <a:xfrm flipV="1">
+            <a:off x="6704280" y="2975692"/>
+            <a:ext cx="1429246" cy="15304"/>
+          </a:xfrm>
+          <a:prstGeom prst="straightConnector1">
+            <a:avLst/>
+          </a:prstGeom>
+          <a:ln>
+            <a:tailEnd type="triangle"/>
+          </a:ln>
+        </p:spPr>
+        <p:style>
+          <a:lnRef idx="1">
+            <a:schemeClr val="dk1"/>
+          </a:lnRef>
+          <a:fillRef idx="0">
+            <a:schemeClr val="dk1"/>
+          </a:fillRef>
+          <a:effectRef idx="0">
+            <a:schemeClr val="dk1"/>
+          </a:effectRef>
+          <a:fontRef idx="minor">
+            <a:schemeClr val="tx1"/>
+          </a:fontRef>
+        </p:style>
+      </p:cxnSp>
+      <p:sp>
+        <p:nvSpPr>
+          <p:cNvPr id="75" name="Cross 74">
+            <a:extLst>
+              <a:ext uri="{FF2B5EF4-FFF2-40B4-BE49-F238E27FC236}">
+                <a16:creationId xmlns:a16="http://schemas.microsoft.com/office/drawing/2014/main" id="{94EF71B1-7153-4ADE-A926-4773018250BB}"/>
+              </a:ext>
+            </a:extLst>
+          </p:cNvPr>
+          <p:cNvSpPr/>
+          <p:nvPr/>
+        </p:nvSpPr>
+        <p:spPr>
+          <a:xfrm>
+            <a:off x="7806892" y="1835974"/>
+            <a:ext cx="160903" cy="149129"/>
+          </a:xfrm>
+          <a:prstGeom prst="plus">
+            <a:avLst/>
+          </a:prstGeom>
+        </p:spPr>
+        <p:style>
+          <a:lnRef idx="2">
+            <a:schemeClr val="accent6">
+              <a:shade val="50000"/>
+            </a:schemeClr>
+          </a:lnRef>
+          <a:fillRef idx="1">
+            <a:schemeClr val="accent6"/>
+          </a:fillRef>
+          <a:effectRef idx="0">
+            <a:schemeClr val="accent6"/>
+          </a:effectRef>
+          <a:fontRef idx="minor">
+            <a:schemeClr val="lt1"/>
+          </a:fontRef>
+        </p:style>
+        <p:txBody>
+          <a:bodyPr rtlCol="0" anchor="ctr"/>
+          <a:lstStyle/>
+          <a:p>
+            <a:pPr algn="ctr"/>
+            <a:endParaRPr lang="en-US"/>
+          </a:p>
+        </p:txBody>
+      </p:sp>
+      <p:sp>
+        <p:nvSpPr>
+          <p:cNvPr id="76" name="Rectangle 75">
+            <a:extLst>
+              <a:ext uri="{FF2B5EF4-FFF2-40B4-BE49-F238E27FC236}">
+                <a16:creationId xmlns:a16="http://schemas.microsoft.com/office/drawing/2014/main" id="{6A4709E0-DE49-4012-BE51-41BD9FCAFBC7}"/>
+              </a:ext>
+            </a:extLst>
+          </p:cNvPr>
+          <p:cNvSpPr/>
+          <p:nvPr/>
+        </p:nvSpPr>
+        <p:spPr>
+          <a:xfrm>
+            <a:off x="7167434" y="1992690"/>
+            <a:ext cx="170058" cy="45719"/>
+          </a:xfrm>
+          <a:prstGeom prst="rect">
+            <a:avLst/>
+          </a:prstGeom>
+          <a:solidFill>
+            <a:srgbClr val="FF0000"/>
+          </a:solidFill>
+        </p:spPr>
+        <p:style>
+          <a:lnRef idx="2">
+            <a:schemeClr val="accent1">
+              <a:shade val="50000"/>
+            </a:schemeClr>
+          </a:lnRef>
+          <a:fillRef idx="1">
+            <a:schemeClr val="accent1"/>
+          </a:fillRef>
+          <a:effectRef idx="0">
+            <a:schemeClr val="accent1"/>
+          </a:effectRef>
+          <a:fontRef idx="minor">
+            <a:schemeClr val="lt1"/>
+          </a:fontRef>
+        </p:style>
+        <p:txBody>
+          <a:bodyPr rtlCol="0" anchor="ctr"/>
+          <a:lstStyle/>
+          <a:p>
+            <a:pPr algn="ctr"/>
+            <a:endParaRPr lang="en-US"/>
+          </a:p>
+        </p:txBody>
+      </p:sp>
+      <p:sp>
+        <p:nvSpPr>
+          <p:cNvPr id="77" name="TextBox 76">
+            <a:extLst>
+              <a:ext uri="{FF2B5EF4-FFF2-40B4-BE49-F238E27FC236}">
+                <a16:creationId xmlns:a16="http://schemas.microsoft.com/office/drawing/2014/main" id="{1D5AAF81-486A-48DF-8BED-D660D657CE3F}"/>
+              </a:ext>
+            </a:extLst>
+          </p:cNvPr>
+          <p:cNvSpPr txBox="1"/>
+          <p:nvPr/>
+        </p:nvSpPr>
+        <p:spPr>
+          <a:xfrm>
+            <a:off x="7149438" y="3113014"/>
+            <a:ext cx="538930" cy="369332"/>
+          </a:xfrm>
+          <a:prstGeom prst="rect">
+            <a:avLst/>
+          </a:prstGeom>
+          <a:noFill/>
+        </p:spPr>
+        <p:txBody>
+          <a:bodyPr wrap="none" rtlCol="0">
+            <a:spAutoFit/>
+          </a:bodyPr>
+          <a:lstStyle/>
+          <a:p>
+            <a:r>
+              <a:rPr lang="en-US" dirty="0"/>
+              <a:t>d=5</a:t>
+            </a:r>
+          </a:p>
+        </p:txBody>
+      </p:sp>
+      <p:sp>
+        <p:nvSpPr>
+          <p:cNvPr id="78" name="Cross 77">
+            <a:extLst>
+              <a:ext uri="{FF2B5EF4-FFF2-40B4-BE49-F238E27FC236}">
+                <a16:creationId xmlns:a16="http://schemas.microsoft.com/office/drawing/2014/main" id="{7F6413B4-716B-4188-8CAB-E767D2123B3E}"/>
+              </a:ext>
+            </a:extLst>
+          </p:cNvPr>
+          <p:cNvSpPr/>
+          <p:nvPr/>
+        </p:nvSpPr>
+        <p:spPr>
+          <a:xfrm>
+            <a:off x="6939935" y="2411800"/>
+            <a:ext cx="160903" cy="149129"/>
+          </a:xfrm>
+          <a:prstGeom prst="plus">
+            <a:avLst/>
+          </a:prstGeom>
+        </p:spPr>
+        <p:style>
+          <a:lnRef idx="2">
+            <a:schemeClr val="accent6">
+              <a:shade val="50000"/>
+            </a:schemeClr>
+          </a:lnRef>
+          <a:fillRef idx="1">
+            <a:schemeClr val="accent6"/>
+          </a:fillRef>
+          <a:effectRef idx="0">
+            <a:schemeClr val="accent6"/>
+          </a:effectRef>
+          <a:fontRef idx="minor">
+            <a:schemeClr val="lt1"/>
+          </a:fontRef>
+        </p:style>
+        <p:txBody>
+          <a:bodyPr rtlCol="0" anchor="ctr"/>
+          <a:lstStyle/>
+          <a:p>
+            <a:pPr algn="ctr"/>
+            <a:endParaRPr lang="en-US"/>
+          </a:p>
+        </p:txBody>
+      </p:sp>
+      <p:sp>
+        <p:nvSpPr>
+          <p:cNvPr id="80" name="Rectangle 79">
+            <a:extLst>
+              <a:ext uri="{FF2B5EF4-FFF2-40B4-BE49-F238E27FC236}">
+                <a16:creationId xmlns:a16="http://schemas.microsoft.com/office/drawing/2014/main" id="{A9B1C00D-E46D-40A5-82A3-5A02338F82BF}"/>
+              </a:ext>
+            </a:extLst>
+          </p:cNvPr>
+          <p:cNvSpPr/>
+          <p:nvPr/>
+        </p:nvSpPr>
+        <p:spPr>
+          <a:xfrm>
+            <a:off x="7518310" y="2481817"/>
+            <a:ext cx="170058" cy="45719"/>
+          </a:xfrm>
+          <a:prstGeom prst="rect">
+            <a:avLst/>
+          </a:prstGeom>
+          <a:solidFill>
+            <a:srgbClr val="FF0000"/>
+          </a:solidFill>
+        </p:spPr>
+        <p:style>
+          <a:lnRef idx="2">
+            <a:schemeClr val="accent1">
+              <a:shade val="50000"/>
+            </a:schemeClr>
+          </a:lnRef>
+          <a:fillRef idx="1">
+            <a:schemeClr val="accent1"/>
+          </a:fillRef>
+          <a:effectRef idx="0">
+            <a:schemeClr val="accent1"/>
+          </a:effectRef>
+          <a:fontRef idx="minor">
+            <a:schemeClr val="lt1"/>
+          </a:fontRef>
+        </p:style>
+        <p:txBody>
+          <a:bodyPr rtlCol="0" anchor="ctr"/>
+          <a:lstStyle/>
+          <a:p>
+            <a:pPr algn="ctr"/>
+            <a:endParaRPr lang="en-US"/>
+          </a:p>
+        </p:txBody>
+      </p:sp>
+      <p:sp>
+        <p:nvSpPr>
+          <p:cNvPr id="81" name="Cross 80">
+            <a:extLst>
+              <a:ext uri="{FF2B5EF4-FFF2-40B4-BE49-F238E27FC236}">
+                <a16:creationId xmlns:a16="http://schemas.microsoft.com/office/drawing/2014/main" id="{1C078F07-6BFD-40BF-8398-F334DF25763A}"/>
+              </a:ext>
+            </a:extLst>
+          </p:cNvPr>
+          <p:cNvSpPr/>
+          <p:nvPr/>
+        </p:nvSpPr>
+        <p:spPr>
+          <a:xfrm>
+            <a:off x="6787888" y="1704805"/>
+            <a:ext cx="160903" cy="149129"/>
+          </a:xfrm>
+          <a:prstGeom prst="plus">
+            <a:avLst/>
+          </a:prstGeom>
+        </p:spPr>
+        <p:style>
+          <a:lnRef idx="2">
+            <a:schemeClr val="accent6">
+              <a:shade val="50000"/>
+            </a:schemeClr>
+          </a:lnRef>
+          <a:fillRef idx="1">
+            <a:schemeClr val="accent6"/>
+          </a:fillRef>
+          <a:effectRef idx="0">
+            <a:schemeClr val="accent6"/>
+          </a:effectRef>
+          <a:fontRef idx="minor">
+            <a:schemeClr val="lt1"/>
+          </a:fontRef>
+        </p:style>
+        <p:txBody>
+          <a:bodyPr rtlCol="0" anchor="ctr"/>
+          <a:lstStyle/>
+          <a:p>
+            <a:pPr algn="ctr"/>
+            <a:endParaRPr lang="en-US"/>
+          </a:p>
+        </p:txBody>
+      </p:sp>
+    </p:spTree>
+    <p:extLst>
+      <p:ext uri="{BB962C8B-B14F-4D97-AF65-F5344CB8AC3E}">
+        <p14:creationId xmlns:p14="http://schemas.microsoft.com/office/powerpoint/2010/main" val="3838175863"/>
+      </p:ext>
+    </p:extLst>
+  </p:cSld>
+  <p:clrMapOvr>
+    <a:masterClrMapping/>
+  </p:clrMapOvr>
+</p:sld>
+</file>
+
 <file path=ppt/theme/theme1.xml><?xml version="1.0" encoding="utf-8"?>
 <a:theme xmlns:a="http://schemas.openxmlformats.org/drawingml/2006/main" name="Office Theme">
   <a:themeElements>
